--- a/PCaPAC-tutorial-openapi.pptx
+++ b/PCaPAC-tutorial-openapi.pptx
@@ -17,6 +17,7 @@
     <p:sldId id="263" r:id="rId12"/>
     <p:sldId id="264" r:id="rId13"/>
     <p:sldId id="265" r:id="rId14"/>
+    <p:sldId id="266" r:id="rId15"/>
   </p:sldIdLst>
   <p:sldSz cx="10691813" cy="7561263"/>
   <p:notesSz cx="7559675" cy="10691813"/>
@@ -5815,7 +5816,25 @@
               <a:rPr b="0" lang="en-US" sz="4400" spc="-1" strike="noStrike">
                 <a:latin typeface="Arial"/>
               </a:rPr>
-              <a:t>Click to edit the title text format</a:t>
+              <a:t>Click to </a:t>
+            </a:r>
+            <a:r>
+              <a:rPr b="0" lang="en-US" sz="4400" spc="-1" strike="noStrike">
+                <a:latin typeface="Arial"/>
+              </a:rPr>
+              <a:t>edit the </a:t>
+            </a:r>
+            <a:r>
+              <a:rPr b="0" lang="en-US" sz="4400" spc="-1" strike="noStrike">
+                <a:latin typeface="Arial"/>
+              </a:rPr>
+              <a:t>title text </a:t>
+            </a:r>
+            <a:r>
+              <a:rPr b="0" lang="en-US" sz="4400" spc="-1" strike="noStrike">
+                <a:latin typeface="Arial"/>
+              </a:rPr>
+              <a:t>format</a:t>
             </a:r>
             <a:endParaRPr b="0" lang="en-US" sz="4400" spc="-1" strike="noStrike">
               <a:latin typeface="Arial"/>
@@ -6335,14 +6354,14 @@
       </p:grpSpPr>
       <p:sp>
         <p:nvSpPr>
-          <p:cNvPr id="242" name="TextShape 1"/>
+          <p:cNvPr id="244" name="TextShape 11"/>
           <p:cNvSpPr/>
           <p:nvPr/>
         </p:nvSpPr>
         <p:spPr>
           <a:xfrm>
-            <a:off x="432000" y="3960000"/>
-            <a:ext cx="5470920" cy="358920"/>
+            <a:off x="2516400" y="270000"/>
+            <a:ext cx="7742520" cy="1078920"/>
           </a:xfrm>
           <a:prstGeom prst="rect">
             <a:avLst/>
@@ -6363,38 +6382,38 @@
             <a:noAutofit/>
           </a:bodyPr>
           <a:p>
-            <a:pPr>
+            <a:pPr algn="r">
               <a:lnSpc>
                 <a:spcPct val="100000"/>
               </a:lnSpc>
               <a:buNone/>
             </a:pPr>
             <a:r>
-              <a:rPr b="0" lang="en-US" sz="2400" spc="-1" strike="noStrike">
+              <a:rPr b="0" lang="cs-CZ" sz="3200" spc="-1" strike="noStrike">
                 <a:solidFill>
                   <a:srgbClr val="666666"/>
                 </a:solidFill>
                 <a:latin typeface="Verdana"/>
                 <a:ea typeface="DejaVu Sans"/>
               </a:rPr>
-              <a:t>Jiří Švácha</a:t>
-            </a:r>
-            <a:endParaRPr b="0" lang="en-US" sz="2400" spc="-1" strike="noStrike">
-              <a:latin typeface="Arial"/>
-            </a:endParaRPr>
-          </a:p>
-        </p:txBody>
-      </p:sp>
-      <p:sp>
-        <p:nvSpPr>
-          <p:cNvPr id="243" name="TextShape 2"/>
+              <a:t>OpenAPI specification and implementation</a:t>
+            </a:r>
+            <a:endParaRPr b="0" lang="en-US" sz="3200" spc="-1" strike="noStrike">
+              <a:latin typeface="Arial"/>
+            </a:endParaRPr>
+          </a:p>
+        </p:txBody>
+      </p:sp>
+      <p:sp>
+        <p:nvSpPr>
+          <p:cNvPr id="245" name="TextShape 12"/>
           <p:cNvSpPr/>
           <p:nvPr/>
         </p:nvSpPr>
         <p:spPr>
           <a:xfrm>
-            <a:off x="432000" y="2592000"/>
-            <a:ext cx="5470920" cy="1330920"/>
+            <a:off x="432000" y="1548000"/>
+            <a:ext cx="9826920" cy="4966920"/>
           </a:xfrm>
           <a:prstGeom prst="rect">
             <a:avLst/>
@@ -6411,7 +6430,7 @@
           <a:fontRef idx="minor"/>
         </p:style>
         <p:txBody>
-          <a:bodyPr lIns="0" rIns="0" tIns="0" bIns="0" anchor="t">
+          <a:bodyPr lIns="0" rIns="0" tIns="0" bIns="0" anchor="ctr">
             <a:noAutofit/>
           </a:bodyPr>
           <a:p>
@@ -6419,19 +6438,28 @@
               <a:lnSpc>
                 <a:spcPct val="100000"/>
               </a:lnSpc>
+              <a:spcBef>
+                <a:spcPts val="431"/>
+              </a:spcBef>
+              <a:spcAft>
+                <a:spcPts val="431"/>
+              </a:spcAft>
               <a:buNone/>
             </a:pPr>
             <a:r>
-              <a:rPr b="0" lang="cs-CZ" sz="3200" spc="-1" strike="noStrike">
-                <a:solidFill>
-                  <a:srgbClr val="666666"/>
-                </a:solidFill>
-                <a:latin typeface="Verdana"/>
-                <a:ea typeface="DejaVu Sans"/>
-              </a:rPr>
-              <a:t>Thank you</a:t>
-            </a:r>
-            <a:endParaRPr b="0" lang="en-US" sz="3200" spc="-1" strike="noStrike">
+              <a:rPr b="0" lang="cs-CZ" sz="2000" spc="-1" strike="noStrike">
+                <a:solidFill>
+                  <a:srgbClr val="616161"/>
+                </a:solidFill>
+                <a:latin typeface="Verdana"/>
+                <a:ea typeface="DejaVu Sans"/>
+              </a:rPr>
+              <a:t>GitHub project: </a:t>
+            </a:r>
+            <a:endParaRPr b="0" lang="en-US" sz="2000" spc="-1" strike="noStrike">
+              <a:solidFill>
+                <a:srgbClr val="616161"/>
+              </a:solidFill>
               <a:latin typeface="Arial"/>
             </a:endParaRPr>
           </a:p>
@@ -6440,34 +6468,265 @@
               <a:lnSpc>
                 <a:spcPct val="100000"/>
               </a:lnSpc>
+              <a:spcBef>
+                <a:spcPts val="431"/>
+              </a:spcBef>
+              <a:spcAft>
+                <a:spcPts val="431"/>
+              </a:spcAft>
               <a:buNone/>
             </a:pPr>
             <a:r>
-              <a:rPr b="0" lang="cs-CZ" sz="3200" spc="-1" strike="noStrike">
-                <a:solidFill>
-                  <a:srgbClr val="666666"/>
-                </a:solidFill>
-                <a:latin typeface="Verdana"/>
-                <a:ea typeface="DejaVu Sans"/>
-              </a:rPr>
-              <a:t>for your attention!</a:t>
-            </a:r>
-            <a:endParaRPr b="0" lang="en-US" sz="3200" spc="-1" strike="noStrike">
-              <a:latin typeface="Arial"/>
-            </a:endParaRPr>
-          </a:p>
-        </p:txBody>
-      </p:sp>
-      <p:sp>
-        <p:nvSpPr>
-          <p:cNvPr id="244" name="TextShape 3"/>
+              <a:rPr b="0" lang="cs-CZ" sz="2000" spc="-1" strike="noStrike">
+                <a:solidFill>
+                  <a:srgbClr val="616161"/>
+                </a:solidFill>
+                <a:latin typeface="Verdana"/>
+                <a:ea typeface="DejaVu Sans"/>
+                <a:hlinkClick r:id="rId1"/>
+              </a:rPr>
+              <a:t>https://github.com/JiriSvachaEliBeams/OpenAPI-Tutorial</a:t>
+            </a:r>
+            <a:endParaRPr b="0" lang="en-US" sz="2000" spc="-1" strike="noStrike">
+              <a:solidFill>
+                <a:srgbClr val="616161"/>
+              </a:solidFill>
+              <a:latin typeface="Arial"/>
+            </a:endParaRPr>
+          </a:p>
+          <a:p>
+            <a:pPr>
+              <a:lnSpc>
+                <a:spcPct val="100000"/>
+              </a:lnSpc>
+              <a:spcBef>
+                <a:spcPts val="431"/>
+              </a:spcBef>
+              <a:spcAft>
+                <a:spcPts val="431"/>
+              </a:spcAft>
+              <a:buNone/>
+            </a:pPr>
+            <a:r>
+              <a:rPr b="0" lang="cs-CZ" sz="2000" spc="-1" strike="noStrike">
+                <a:solidFill>
+                  <a:srgbClr val="616161"/>
+                </a:solidFill>
+                <a:latin typeface="Verdana"/>
+                <a:ea typeface="DejaVu Sans"/>
+              </a:rPr>
+              <a:t>Use open-source swagger editor: </a:t>
+            </a:r>
+            <a:endParaRPr b="0" lang="en-US" sz="2000" spc="-1" strike="noStrike">
+              <a:solidFill>
+                <a:srgbClr val="616161"/>
+              </a:solidFill>
+              <a:latin typeface="Arial"/>
+            </a:endParaRPr>
+          </a:p>
+          <a:p>
+            <a:pPr>
+              <a:lnSpc>
+                <a:spcPct val="100000"/>
+              </a:lnSpc>
+              <a:spcBef>
+                <a:spcPts val="431"/>
+              </a:spcBef>
+              <a:spcAft>
+                <a:spcPts val="431"/>
+              </a:spcAft>
+              <a:buNone/>
+            </a:pPr>
+            <a:r>
+              <a:rPr b="0" lang="cs-CZ" sz="2000" spc="-1" strike="noStrike">
+                <a:solidFill>
+                  <a:srgbClr val="616161"/>
+                </a:solidFill>
+                <a:latin typeface="Verdana"/>
+                <a:ea typeface="DejaVu Sans"/>
+                <a:hlinkClick r:id="rId2"/>
+              </a:rPr>
+              <a:t>https://editor.swagger.io/</a:t>
+            </a:r>
+            <a:endParaRPr b="0" lang="en-US" sz="2000" spc="-1" strike="noStrike">
+              <a:solidFill>
+                <a:srgbClr val="616161"/>
+              </a:solidFill>
+              <a:latin typeface="Arial"/>
+            </a:endParaRPr>
+          </a:p>
+          <a:p>
+            <a:pPr>
+              <a:lnSpc>
+                <a:spcPct val="100000"/>
+              </a:lnSpc>
+              <a:spcBef>
+                <a:spcPts val="431"/>
+              </a:spcBef>
+              <a:spcAft>
+                <a:spcPts val="431"/>
+              </a:spcAft>
+              <a:buNone/>
+            </a:pPr>
+            <a:endParaRPr b="0" lang="en-US" sz="2000" spc="-1" strike="noStrike">
+              <a:solidFill>
+                <a:srgbClr val="616161"/>
+              </a:solidFill>
+              <a:latin typeface="Arial"/>
+            </a:endParaRPr>
+          </a:p>
+          <a:p>
+            <a:pPr>
+              <a:lnSpc>
+                <a:spcPct val="100000"/>
+              </a:lnSpc>
+              <a:spcBef>
+                <a:spcPts val="431"/>
+              </a:spcBef>
+              <a:spcAft>
+                <a:spcPts val="431"/>
+              </a:spcAft>
+              <a:buNone/>
+            </a:pPr>
+            <a:r>
+              <a:rPr b="0" lang="cs-CZ" sz="2000" spc="-1" strike="noStrike">
+                <a:solidFill>
+                  <a:srgbClr val="616161"/>
+                </a:solidFill>
+                <a:latin typeface="Verdana"/>
+                <a:ea typeface="DejaVu Sans"/>
+              </a:rPr>
+              <a:t>Now it’s time for programmers...</a:t>
+            </a:r>
+            <a:endParaRPr b="0" lang="en-US" sz="2000" spc="-1" strike="noStrike">
+              <a:solidFill>
+                <a:srgbClr val="616161"/>
+              </a:solidFill>
+              <a:latin typeface="Arial"/>
+            </a:endParaRPr>
+          </a:p>
+          <a:p>
+            <a:pPr>
+              <a:lnSpc>
+                <a:spcPct val="100000"/>
+              </a:lnSpc>
+              <a:spcBef>
+                <a:spcPts val="431"/>
+              </a:spcBef>
+              <a:spcAft>
+                <a:spcPts val="431"/>
+              </a:spcAft>
+              <a:buNone/>
+            </a:pPr>
+            <a:endParaRPr b="0" lang="en-US" sz="2000" spc="-1" strike="noStrike">
+              <a:solidFill>
+                <a:srgbClr val="616161"/>
+              </a:solidFill>
+              <a:latin typeface="Arial"/>
+            </a:endParaRPr>
+          </a:p>
+          <a:p>
+            <a:pPr>
+              <a:lnSpc>
+                <a:spcPct val="100000"/>
+              </a:lnSpc>
+              <a:spcBef>
+                <a:spcPts val="431"/>
+              </a:spcBef>
+              <a:spcAft>
+                <a:spcPts val="431"/>
+              </a:spcAft>
+              <a:buNone/>
+            </a:pPr>
+            <a:endParaRPr b="0" lang="en-US" sz="2000" spc="-1" strike="noStrike">
+              <a:solidFill>
+                <a:srgbClr val="616161"/>
+              </a:solidFill>
+              <a:latin typeface="Arial"/>
+            </a:endParaRPr>
+          </a:p>
+          <a:p>
+            <a:pPr>
+              <a:lnSpc>
+                <a:spcPct val="100000"/>
+              </a:lnSpc>
+              <a:spcBef>
+                <a:spcPts val="431"/>
+              </a:spcBef>
+              <a:spcAft>
+                <a:spcPts val="431"/>
+              </a:spcAft>
+              <a:buNone/>
+            </a:pPr>
+            <a:endParaRPr b="0" lang="en-US" sz="2000" spc="-1" strike="noStrike">
+              <a:solidFill>
+                <a:srgbClr val="616161"/>
+              </a:solidFill>
+              <a:latin typeface="Arial"/>
+            </a:endParaRPr>
+          </a:p>
+          <a:p>
+            <a:pPr>
+              <a:lnSpc>
+                <a:spcPct val="100000"/>
+              </a:lnSpc>
+              <a:spcBef>
+                <a:spcPts val="431"/>
+              </a:spcBef>
+              <a:spcAft>
+                <a:spcPts val="431"/>
+              </a:spcAft>
+              <a:buNone/>
+            </a:pPr>
+            <a:endParaRPr b="0" lang="en-US" sz="2000" spc="-1" strike="noStrike">
+              <a:solidFill>
+                <a:srgbClr val="616161"/>
+              </a:solidFill>
+              <a:latin typeface="Arial"/>
+            </a:endParaRPr>
+          </a:p>
+          <a:p>
+            <a:pPr>
+              <a:lnSpc>
+                <a:spcPct val="100000"/>
+              </a:lnSpc>
+              <a:spcBef>
+                <a:spcPts val="431"/>
+              </a:spcBef>
+              <a:spcAft>
+                <a:spcPts val="431"/>
+              </a:spcAft>
+              <a:buNone/>
+            </a:pPr>
+            <a:r>
+              <a:rPr b="0" lang="cs-CZ" sz="2000" spc="-1" strike="noStrike">
+                <a:solidFill>
+                  <a:srgbClr val="616161"/>
+                </a:solidFill>
+                <a:latin typeface="Verdana"/>
+                <a:ea typeface="DejaVu Sans"/>
+              </a:rPr>
+              <a:t> </a:t>
+            </a:r>
+            <a:endParaRPr b="0" lang="en-US" sz="2000" spc="-1" strike="noStrike">
+              <a:solidFill>
+                <a:srgbClr val="616161"/>
+              </a:solidFill>
+              <a:latin typeface="Arial"/>
+            </a:endParaRPr>
+          </a:p>
+        </p:txBody>
+      </p:sp>
+      <p:sp>
+        <p:nvSpPr>
+          <p:cNvPr id="246" name="CustomShape 13"/>
           <p:cNvSpPr/>
           <p:nvPr/>
         </p:nvSpPr>
         <p:spPr>
           <a:xfrm>
-            <a:off x="432000" y="4356000"/>
-            <a:ext cx="5470920" cy="358920"/>
+            <a:off x="3405960" y="7041600"/>
+            <a:ext cx="322920" cy="358920"/>
           </a:xfrm>
           <a:prstGeom prst="rect">
             <a:avLst/>
@@ -6484,7 +6743,7 @@
           <a:fontRef idx="minor"/>
         </p:style>
         <p:txBody>
-          <a:bodyPr lIns="0" rIns="0" tIns="0" bIns="0" anchor="t">
+          <a:bodyPr lIns="0" rIns="0" tIns="0" bIns="0" anchor="ctr">
             <a:noAutofit/>
           </a:bodyPr>
           <a:p>
@@ -6495,31 +6754,31 @@
               <a:buNone/>
             </a:pPr>
             <a:r>
-              <a:rPr b="0" lang="cs-CZ" sz="2400" spc="-1" strike="noStrike">
-                <a:solidFill>
-                  <a:srgbClr val="666666"/>
-                </a:solidFill>
-                <a:latin typeface="Verdana"/>
-                <a:ea typeface="DejaVu Sans"/>
-              </a:rPr>
-              <a:t>Author: </a:t>
-            </a:r>
-            <a:endParaRPr b="0" lang="en-US" sz="2400" spc="-1" strike="noStrike">
-              <a:latin typeface="Arial"/>
-            </a:endParaRPr>
-          </a:p>
-        </p:txBody>
-      </p:sp>
-      <p:sp>
-        <p:nvSpPr>
-          <p:cNvPr id="245" name="Zástupný symbol pro datum 1"/>
+              <a:rPr b="0" lang="en-US" sz="1000" spc="-1" strike="noStrike">
+                <a:solidFill>
+                  <a:srgbClr val="ffffff"/>
+                </a:solidFill>
+                <a:latin typeface="Arial"/>
+                <a:ea typeface="DejaVu Sans"/>
+              </a:rPr>
+              <a:t>Date:</a:t>
+            </a:r>
+            <a:endParaRPr b="0" lang="en-US" sz="1000" spc="-1" strike="noStrike">
+              <a:latin typeface="Arial"/>
+            </a:endParaRPr>
+          </a:p>
+        </p:txBody>
+      </p:sp>
+      <p:sp>
+        <p:nvSpPr>
+          <p:cNvPr id="247" name="CustomShape 14"/>
           <p:cNvSpPr/>
           <p:nvPr/>
         </p:nvSpPr>
         <p:spPr>
           <a:xfrm>
-            <a:off x="3717720" y="7099200"/>
-            <a:ext cx="978840" cy="234360"/>
+            <a:off x="4716720" y="7041600"/>
+            <a:ext cx="358920" cy="358920"/>
           </a:xfrm>
           <a:prstGeom prst="rect">
             <a:avLst/>
@@ -6536,7 +6795,7 @@
           <a:fontRef idx="minor"/>
         </p:style>
         <p:txBody>
-          <a:bodyPr lIns="90000" rIns="90000" tIns="45000" bIns="45000" anchor="t">
+          <a:bodyPr lIns="0" rIns="0" tIns="0" bIns="0" anchor="ctr">
             <a:noAutofit/>
           </a:bodyPr>
           <a:p>
@@ -6547,14 +6806,14 @@
               <a:buNone/>
             </a:pPr>
             <a:r>
-              <a:rPr b="0" lang="cs-CZ" sz="1000" spc="-1" strike="noStrike">
+              <a:rPr b="0" lang="en-US" sz="1000" spc="-1" strike="noStrike">
                 <a:solidFill>
                   <a:srgbClr val="ffffff"/>
                 </a:solidFill>
                 <a:latin typeface="Arial"/>
                 <a:ea typeface="DejaVu Sans"/>
               </a:rPr>
-              <a:t>4.10.2022</a:t>
+              <a:t>Page:</a:t>
             </a:r>
             <a:endParaRPr b="0" lang="en-US" sz="1000" spc="-1" strike="noStrike">
               <a:latin typeface="Arial"/>
@@ -6564,14 +6823,48 @@
       </p:sp>
       <p:sp>
         <p:nvSpPr>
-          <p:cNvPr id="246" name="CustomShape 1"/>
+          <p:cNvPr id="248" name="Line 7"/>
           <p:cNvSpPr/>
           <p:nvPr/>
         </p:nvSpPr>
         <p:spPr>
           <a:xfrm>
-            <a:off x="3405960" y="7041600"/>
-            <a:ext cx="322920" cy="358920"/>
+            <a:off x="4597200" y="7164000"/>
+            <a:ext cx="360" cy="123120"/>
+          </a:xfrm>
+          <a:prstGeom prst="line">
+            <a:avLst/>
+          </a:prstGeom>
+          <a:ln w="3240">
+            <a:solidFill>
+              <a:srgbClr val="ffffff"/>
+            </a:solidFill>
+            <a:round/>
+          </a:ln>
+        </p:spPr>
+        <p:style>
+          <a:lnRef idx="1">
+            <a:schemeClr val="accent1"/>
+          </a:lnRef>
+          <a:fillRef idx="0">
+            <a:schemeClr val="accent1"/>
+          </a:fillRef>
+          <a:effectRef idx="0">
+            <a:schemeClr val="accent1"/>
+          </a:effectRef>
+          <a:fontRef idx="minor"/>
+        </p:style>
+      </p:sp>
+      <p:sp>
+        <p:nvSpPr>
+          <p:cNvPr id="249" name="PlaceHolder 6"/>
+          <p:cNvSpPr/>
+          <p:nvPr/>
+        </p:nvSpPr>
+        <p:spPr>
+          <a:xfrm>
+            <a:off x="5092920" y="7041600"/>
+            <a:ext cx="358920" cy="358920"/>
           </a:xfrm>
           <a:prstGeom prst="rect">
             <a:avLst/>
@@ -6588,7 +6881,7 @@
           <a:fontRef idx="minor"/>
         </p:style>
         <p:txBody>
-          <a:bodyPr lIns="0" rIns="0" tIns="0" bIns="0" anchor="ctr">
+          <a:bodyPr lIns="36000" rIns="0" tIns="0" bIns="0" anchor="ctr">
             <a:noAutofit/>
           </a:bodyPr>
           <a:p>
@@ -6598,16 +6891,16 @@
               </a:lnSpc>
               <a:buNone/>
             </a:pPr>
-            <a:r>
+            <a:fld id="{64467D39-3C23-4CE9-A4FF-3D5ABC96173E}" type="slidenum">
               <a:rPr b="0" lang="en-US" sz="1000" spc="-1" strike="noStrike">
                 <a:solidFill>
                   <a:srgbClr val="ffffff"/>
                 </a:solidFill>
-                <a:latin typeface="Arial"/>
-                <a:ea typeface="DejaVu Sans"/>
-              </a:rPr>
-              <a:t>Date:</a:t>
-            </a:r>
+                <a:latin typeface="Verdana"/>
+                <a:ea typeface="DejaVu Sans"/>
+              </a:rPr>
+              <a:t>&lt;number&gt;</a:t>
+            </a:fld>
             <a:endParaRPr b="0" lang="en-US" sz="1000" spc="-1" strike="noStrike">
               <a:latin typeface="Arial"/>
             </a:endParaRPr>
@@ -6616,14 +6909,14 @@
       </p:sp>
       <p:sp>
         <p:nvSpPr>
-          <p:cNvPr id="247" name="CustomShape 2"/>
+          <p:cNvPr id="250" name="Zástupný symbol pro datum 7"/>
           <p:cNvSpPr/>
           <p:nvPr/>
         </p:nvSpPr>
         <p:spPr>
           <a:xfrm>
-            <a:off x="4716720" y="7041600"/>
-            <a:ext cx="358920" cy="358920"/>
+            <a:off x="3708000" y="7041600"/>
+            <a:ext cx="790920" cy="358920"/>
           </a:xfrm>
           <a:prstGeom prst="rect">
             <a:avLst/>
@@ -6640,7 +6933,7 @@
           <a:fontRef idx="minor"/>
         </p:style>
         <p:txBody>
-          <a:bodyPr lIns="0" rIns="0" tIns="0" bIns="0" anchor="ctr">
+          <a:bodyPr lIns="36000" rIns="0" tIns="0" bIns="0" anchor="ctr">
             <a:noAutofit/>
           </a:bodyPr>
           <a:p>
@@ -6651,14 +6944,14 @@
               <a:buNone/>
             </a:pPr>
             <a:r>
-              <a:rPr b="0" lang="en-US" sz="1000" spc="-1" strike="noStrike">
+              <a:rPr b="0" lang="cs-CZ" sz="1000" spc="-1" strike="noStrike">
                 <a:solidFill>
                   <a:srgbClr val="ffffff"/>
                 </a:solidFill>
                 <a:latin typeface="Arial"/>
                 <a:ea typeface="DejaVu Sans"/>
               </a:rPr>
-              <a:t>Page:</a:t>
+              <a:t>4.10.2022</a:t>
             </a:r>
             <a:endParaRPr b="0" lang="en-US" sz="1000" spc="-1" strike="noStrike">
               <a:latin typeface="Arial"/>
@@ -6666,16 +6959,69 @@
           </a:p>
         </p:txBody>
       </p:sp>
-      <p:sp>
-        <p:nvSpPr>
-          <p:cNvPr id="248" name="PlaceHolder 7"/>
+      <p:pic>
+        <p:nvPicPr>
+          <p:cNvPr id="251" name="" descr=""/>
+          <p:cNvPicPr/>
+          <p:nvPr/>
+        </p:nvPicPr>
+        <p:blipFill>
+          <a:blip r:embed="rId3"/>
+          <a:stretch/>
+        </p:blipFill>
+        <p:spPr>
+          <a:xfrm>
+            <a:off x="2976840" y="4343400"/>
+            <a:ext cx="4109760" cy="2311560"/>
+          </a:xfrm>
+          <a:prstGeom prst="rect">
+            <a:avLst/>
+          </a:prstGeom>
+          <a:ln w="0">
+            <a:noFill/>
+          </a:ln>
+        </p:spPr>
+      </p:pic>
+    </p:spTree>
+  </p:cSld>
+  <mc:AlternateContent>
+    <mc:Choice Requires="p14">
+      <p:transition spd="slow" p14:dur="2000"/>
+    </mc:Choice>
+    <mc:Fallback>
+      <p:transition spd="slow"/>
+    </mc:Fallback>
+  </mc:AlternateContent>
+</p:sld>
+</file>
+
+<file path=ppt/slides/slide11.xml><?xml version="1.0" encoding="utf-8"?>
+<p:sld xmlns:a="http://schemas.openxmlformats.org/drawingml/2006/main" xmlns:p="http://schemas.openxmlformats.org/presentationml/2006/main" xmlns:r="http://schemas.openxmlformats.org/officeDocument/2006/relationships" xmlns:p14="http://schemas.microsoft.com/office/powerpoint/2010/main" xmlns:p15="http://schemas.microsoft.com/office/powerpoint/2012/main" xmlns:mc="http://schemas.openxmlformats.org/markup-compatibility/2006">
+  <p:cSld>
+    <p:spTree>
+      <p:nvGrpSpPr>
+        <p:cNvPr id="1" name=""/>
+        <p:cNvGrpSpPr/>
+        <p:nvPr/>
+      </p:nvGrpSpPr>
+      <p:grpSpPr>
+        <a:xfrm>
+          <a:off x="0" y="0"/>
+          <a:ext cx="0" cy="0"/>
+          <a:chOff x="0" y="0"/>
+          <a:chExt cx="0" cy="0"/>
+        </a:xfrm>
+      </p:grpSpPr>
+      <p:sp>
+        <p:nvSpPr>
+          <p:cNvPr id="252" name="TextShape 1"/>
           <p:cNvSpPr/>
           <p:nvPr/>
         </p:nvSpPr>
         <p:spPr>
           <a:xfrm>
-            <a:off x="5092920" y="7041600"/>
-            <a:ext cx="358920" cy="358920"/>
+            <a:off x="432000" y="3960000"/>
+            <a:ext cx="5470920" cy="358920"/>
           </a:xfrm>
           <a:prstGeom prst="rect">
             <a:avLst/>
@@ -6692,7 +7038,7 @@
           <a:fontRef idx="minor"/>
         </p:style>
         <p:txBody>
-          <a:bodyPr lIns="36000" rIns="0" tIns="0" bIns="0" anchor="ctr">
+          <a:bodyPr lIns="0" rIns="0" tIns="0" bIns="0" anchor="ctr">
             <a:noAutofit/>
           </a:bodyPr>
           <a:p>
@@ -6702,7 +7048,340 @@
               </a:lnSpc>
               <a:buNone/>
             </a:pPr>
-            <a:fld id="{FC0B4BDD-3B54-4434-A903-0335378127B1}" type="slidenum">
+            <a:r>
+              <a:rPr b="0" lang="en-US" sz="2400" spc="-1" strike="noStrike">
+                <a:solidFill>
+                  <a:srgbClr val="666666"/>
+                </a:solidFill>
+                <a:latin typeface="Verdana"/>
+                <a:ea typeface="DejaVu Sans"/>
+              </a:rPr>
+              <a:t>Jiří Švácha</a:t>
+            </a:r>
+            <a:endParaRPr b="0" lang="en-US" sz="2400" spc="-1" strike="noStrike">
+              <a:latin typeface="Arial"/>
+            </a:endParaRPr>
+          </a:p>
+        </p:txBody>
+      </p:sp>
+      <p:sp>
+        <p:nvSpPr>
+          <p:cNvPr id="253" name="TextShape 2"/>
+          <p:cNvSpPr/>
+          <p:nvPr/>
+        </p:nvSpPr>
+        <p:spPr>
+          <a:xfrm>
+            <a:off x="432000" y="2592000"/>
+            <a:ext cx="5470920" cy="1330920"/>
+          </a:xfrm>
+          <a:prstGeom prst="rect">
+            <a:avLst/>
+          </a:prstGeom>
+          <a:noFill/>
+          <a:ln w="0">
+            <a:noFill/>
+          </a:ln>
+        </p:spPr>
+        <p:style>
+          <a:lnRef idx="0"/>
+          <a:fillRef idx="0"/>
+          <a:effectRef idx="0"/>
+          <a:fontRef idx="minor"/>
+        </p:style>
+        <p:txBody>
+          <a:bodyPr lIns="0" rIns="0" tIns="0" bIns="0" anchor="t">
+            <a:noAutofit/>
+          </a:bodyPr>
+          <a:p>
+            <a:pPr>
+              <a:lnSpc>
+                <a:spcPct val="100000"/>
+              </a:lnSpc>
+              <a:buNone/>
+            </a:pPr>
+            <a:r>
+              <a:rPr b="0" lang="cs-CZ" sz="3200" spc="-1" strike="noStrike">
+                <a:solidFill>
+                  <a:srgbClr val="666666"/>
+                </a:solidFill>
+                <a:latin typeface="Verdana"/>
+                <a:ea typeface="DejaVu Sans"/>
+              </a:rPr>
+              <a:t>Thank you</a:t>
+            </a:r>
+            <a:endParaRPr b="0" lang="en-US" sz="3200" spc="-1" strike="noStrike">
+              <a:latin typeface="Arial"/>
+            </a:endParaRPr>
+          </a:p>
+          <a:p>
+            <a:pPr>
+              <a:lnSpc>
+                <a:spcPct val="100000"/>
+              </a:lnSpc>
+              <a:buNone/>
+            </a:pPr>
+            <a:r>
+              <a:rPr b="0" lang="cs-CZ" sz="3200" spc="-1" strike="noStrike">
+                <a:solidFill>
+                  <a:srgbClr val="666666"/>
+                </a:solidFill>
+                <a:latin typeface="Verdana"/>
+                <a:ea typeface="DejaVu Sans"/>
+              </a:rPr>
+              <a:t>for your attention!</a:t>
+            </a:r>
+            <a:endParaRPr b="0" lang="en-US" sz="3200" spc="-1" strike="noStrike">
+              <a:latin typeface="Arial"/>
+            </a:endParaRPr>
+          </a:p>
+        </p:txBody>
+      </p:sp>
+      <p:sp>
+        <p:nvSpPr>
+          <p:cNvPr id="254" name="TextShape 3"/>
+          <p:cNvSpPr/>
+          <p:nvPr/>
+        </p:nvSpPr>
+        <p:spPr>
+          <a:xfrm>
+            <a:off x="432000" y="4356000"/>
+            <a:ext cx="5470920" cy="358920"/>
+          </a:xfrm>
+          <a:prstGeom prst="rect">
+            <a:avLst/>
+          </a:prstGeom>
+          <a:noFill/>
+          <a:ln w="0">
+            <a:noFill/>
+          </a:ln>
+        </p:spPr>
+        <p:style>
+          <a:lnRef idx="0"/>
+          <a:fillRef idx="0"/>
+          <a:effectRef idx="0"/>
+          <a:fontRef idx="minor"/>
+        </p:style>
+        <p:txBody>
+          <a:bodyPr lIns="0" rIns="0" tIns="0" bIns="0" anchor="t">
+            <a:noAutofit/>
+          </a:bodyPr>
+          <a:p>
+            <a:pPr>
+              <a:lnSpc>
+                <a:spcPct val="100000"/>
+              </a:lnSpc>
+              <a:buNone/>
+            </a:pPr>
+            <a:r>
+              <a:rPr b="0" lang="cs-CZ" sz="2400" spc="-1" strike="noStrike">
+                <a:solidFill>
+                  <a:srgbClr val="666666"/>
+                </a:solidFill>
+                <a:latin typeface="Verdana"/>
+                <a:ea typeface="DejaVu Sans"/>
+              </a:rPr>
+              <a:t>Author: </a:t>
+            </a:r>
+            <a:endParaRPr b="0" lang="en-US" sz="2400" spc="-1" strike="noStrike">
+              <a:latin typeface="Arial"/>
+            </a:endParaRPr>
+          </a:p>
+        </p:txBody>
+      </p:sp>
+      <p:sp>
+        <p:nvSpPr>
+          <p:cNvPr id="255" name="Zástupný symbol pro datum 1"/>
+          <p:cNvSpPr/>
+          <p:nvPr/>
+        </p:nvSpPr>
+        <p:spPr>
+          <a:xfrm>
+            <a:off x="3717720" y="7099200"/>
+            <a:ext cx="978840" cy="234360"/>
+          </a:xfrm>
+          <a:prstGeom prst="rect">
+            <a:avLst/>
+          </a:prstGeom>
+          <a:noFill/>
+          <a:ln w="0">
+            <a:noFill/>
+          </a:ln>
+        </p:spPr>
+        <p:style>
+          <a:lnRef idx="0"/>
+          <a:fillRef idx="0"/>
+          <a:effectRef idx="0"/>
+          <a:fontRef idx="minor"/>
+        </p:style>
+        <p:txBody>
+          <a:bodyPr lIns="90000" rIns="90000" tIns="45000" bIns="45000" anchor="t">
+            <a:noAutofit/>
+          </a:bodyPr>
+          <a:p>
+            <a:pPr>
+              <a:lnSpc>
+                <a:spcPct val="100000"/>
+              </a:lnSpc>
+              <a:buNone/>
+            </a:pPr>
+            <a:r>
+              <a:rPr b="0" lang="cs-CZ" sz="1000" spc="-1" strike="noStrike">
+                <a:solidFill>
+                  <a:srgbClr val="ffffff"/>
+                </a:solidFill>
+                <a:latin typeface="Arial"/>
+                <a:ea typeface="DejaVu Sans"/>
+              </a:rPr>
+              <a:t>4.10.2022</a:t>
+            </a:r>
+            <a:endParaRPr b="0" lang="en-US" sz="1000" spc="-1" strike="noStrike">
+              <a:latin typeface="Arial"/>
+            </a:endParaRPr>
+          </a:p>
+        </p:txBody>
+      </p:sp>
+      <p:sp>
+        <p:nvSpPr>
+          <p:cNvPr id="256" name="CustomShape 1"/>
+          <p:cNvSpPr/>
+          <p:nvPr/>
+        </p:nvSpPr>
+        <p:spPr>
+          <a:xfrm>
+            <a:off x="3405960" y="7041600"/>
+            <a:ext cx="322920" cy="358920"/>
+          </a:xfrm>
+          <a:prstGeom prst="rect">
+            <a:avLst/>
+          </a:prstGeom>
+          <a:noFill/>
+          <a:ln w="0">
+            <a:noFill/>
+          </a:ln>
+        </p:spPr>
+        <p:style>
+          <a:lnRef idx="0"/>
+          <a:fillRef idx="0"/>
+          <a:effectRef idx="0"/>
+          <a:fontRef idx="minor"/>
+        </p:style>
+        <p:txBody>
+          <a:bodyPr lIns="0" rIns="0" tIns="0" bIns="0" anchor="ctr">
+            <a:noAutofit/>
+          </a:bodyPr>
+          <a:p>
+            <a:pPr>
+              <a:lnSpc>
+                <a:spcPct val="100000"/>
+              </a:lnSpc>
+              <a:buNone/>
+            </a:pPr>
+            <a:r>
+              <a:rPr b="0" lang="en-US" sz="1000" spc="-1" strike="noStrike">
+                <a:solidFill>
+                  <a:srgbClr val="ffffff"/>
+                </a:solidFill>
+                <a:latin typeface="Arial"/>
+                <a:ea typeface="DejaVu Sans"/>
+              </a:rPr>
+              <a:t>Date:</a:t>
+            </a:r>
+            <a:endParaRPr b="0" lang="en-US" sz="1000" spc="-1" strike="noStrike">
+              <a:latin typeface="Arial"/>
+            </a:endParaRPr>
+          </a:p>
+        </p:txBody>
+      </p:sp>
+      <p:sp>
+        <p:nvSpPr>
+          <p:cNvPr id="257" name="CustomShape 2"/>
+          <p:cNvSpPr/>
+          <p:nvPr/>
+        </p:nvSpPr>
+        <p:spPr>
+          <a:xfrm>
+            <a:off x="4716720" y="7041600"/>
+            <a:ext cx="358920" cy="358920"/>
+          </a:xfrm>
+          <a:prstGeom prst="rect">
+            <a:avLst/>
+          </a:prstGeom>
+          <a:noFill/>
+          <a:ln w="0">
+            <a:noFill/>
+          </a:ln>
+        </p:spPr>
+        <p:style>
+          <a:lnRef idx="0"/>
+          <a:fillRef idx="0"/>
+          <a:effectRef idx="0"/>
+          <a:fontRef idx="minor"/>
+        </p:style>
+        <p:txBody>
+          <a:bodyPr lIns="0" rIns="0" tIns="0" bIns="0" anchor="ctr">
+            <a:noAutofit/>
+          </a:bodyPr>
+          <a:p>
+            <a:pPr>
+              <a:lnSpc>
+                <a:spcPct val="100000"/>
+              </a:lnSpc>
+              <a:buNone/>
+            </a:pPr>
+            <a:r>
+              <a:rPr b="0" lang="en-US" sz="1000" spc="-1" strike="noStrike">
+                <a:solidFill>
+                  <a:srgbClr val="ffffff"/>
+                </a:solidFill>
+                <a:latin typeface="Arial"/>
+                <a:ea typeface="DejaVu Sans"/>
+              </a:rPr>
+              <a:t>Page:</a:t>
+            </a:r>
+            <a:endParaRPr b="0" lang="en-US" sz="1000" spc="-1" strike="noStrike">
+              <a:latin typeface="Arial"/>
+            </a:endParaRPr>
+          </a:p>
+        </p:txBody>
+      </p:sp>
+      <p:sp>
+        <p:nvSpPr>
+          <p:cNvPr id="258" name="PlaceHolder 7"/>
+          <p:cNvSpPr/>
+          <p:nvPr/>
+        </p:nvSpPr>
+        <p:spPr>
+          <a:xfrm>
+            <a:off x="5092920" y="7041600"/>
+            <a:ext cx="358920" cy="358920"/>
+          </a:xfrm>
+          <a:prstGeom prst="rect">
+            <a:avLst/>
+          </a:prstGeom>
+          <a:noFill/>
+          <a:ln w="0">
+            <a:noFill/>
+          </a:ln>
+        </p:spPr>
+        <p:style>
+          <a:lnRef idx="0"/>
+          <a:fillRef idx="0"/>
+          <a:effectRef idx="0"/>
+          <a:fontRef idx="minor"/>
+        </p:style>
+        <p:txBody>
+          <a:bodyPr lIns="36000" rIns="0" tIns="0" bIns="0" anchor="ctr">
+            <a:noAutofit/>
+          </a:bodyPr>
+          <a:p>
+            <a:pPr>
+              <a:lnSpc>
+                <a:spcPct val="100000"/>
+              </a:lnSpc>
+              <a:buNone/>
+            </a:pPr>
+            <a:fld id="{4573EE19-FEA4-4088-813D-CA99E76CAF6B}" type="slidenum">
               <a:rPr b="0" lang="en-US" sz="1000" spc="-1" strike="noStrike">
                 <a:solidFill>
                   <a:srgbClr val="ffffff"/>
@@ -7306,7 +7985,7 @@
               </a:lnSpc>
               <a:buNone/>
             </a:pPr>
-            <a:fld id="{746EAC1D-D630-47C6-BBF8-155427F54B92}" type="slidenum">
+            <a:fld id="{3C0B50BB-393D-4095-B735-D336154F8699}" type="slidenum">
               <a:rPr b="0" lang="en-US" sz="1000" spc="-1" strike="noStrike">
                 <a:solidFill>
                   <a:srgbClr val="ffffff"/>
@@ -9036,7 +9715,7 @@
               </a:lnSpc>
               <a:buNone/>
             </a:pPr>
-            <a:fld id="{292A1385-D82C-443B-84B2-218CD699A37F}" type="slidenum">
+            <a:fld id="{B37B8018-5EEA-4283-BFED-E01F36CCFBA9}" type="slidenum">
               <a:rPr b="0" lang="en-US" sz="1000" spc="-1" strike="noStrike">
                 <a:solidFill>
                   <a:srgbClr val="ffffff"/>
@@ -9360,7 +10039,7 @@
               </a:lnSpc>
               <a:buNone/>
             </a:pPr>
-            <a:fld id="{6A587A9D-4F5C-4EAA-8A1E-7E5435712E72}" type="slidenum">
+            <a:fld id="{561DE483-C94E-45F2-995A-1AA0032A5001}" type="slidenum">
               <a:rPr b="0" lang="en-US" sz="1000" spc="-1" strike="noStrike">
                 <a:solidFill>
                   <a:srgbClr val="ffffff"/>
@@ -9671,7 +10350,7 @@
       </p:grpSpPr>
       <p:sp>
         <p:nvSpPr>
-          <p:cNvPr id="158" name="TextShape 7"/>
+          <p:cNvPr id="158" name="TextShape 15"/>
           <p:cNvSpPr/>
           <p:nvPr/>
         </p:nvSpPr>
@@ -9713,38 +10392,17 @@
                 <a:latin typeface="Verdana"/>
                 <a:ea typeface="DejaVu Sans"/>
               </a:rPr>
-              <a:t>Analysis of the tutorial use case</a:t>
+              <a:t>OpenAPI structure</a:t>
             </a:r>
             <a:endParaRPr b="0" lang="en-US" sz="3200" spc="-1" strike="noStrike">
               <a:latin typeface="Arial"/>
             </a:endParaRPr>
           </a:p>
-          <a:p>
-            <a:pPr algn="r">
-              <a:lnSpc>
-                <a:spcPct val="100000"/>
-              </a:lnSpc>
-              <a:buNone/>
-            </a:pPr>
-            <a:r>
-              <a:rPr b="0" lang="cs-CZ" sz="3200" spc="-1" strike="noStrike">
-                <a:solidFill>
-                  <a:srgbClr val="666666"/>
-                </a:solidFill>
-                <a:latin typeface="Verdana"/>
-                <a:ea typeface="DejaVu Sans"/>
-              </a:rPr>
-              <a:t>Systems database</a:t>
-            </a:r>
-            <a:endParaRPr b="0" lang="en-US" sz="3200" spc="-1" strike="noStrike">
-              <a:latin typeface="Arial"/>
-            </a:endParaRPr>
-          </a:p>
-        </p:txBody>
-      </p:sp>
-      <p:sp>
-        <p:nvSpPr>
-          <p:cNvPr id="159" name="CustomShape 5"/>
+        </p:txBody>
+      </p:sp>
+      <p:sp>
+        <p:nvSpPr>
+          <p:cNvPr id="159" name="CustomShape 17"/>
           <p:cNvSpPr/>
           <p:nvPr/>
         </p:nvSpPr>
@@ -9796,7 +10454,7 @@
       </p:sp>
       <p:sp>
         <p:nvSpPr>
-          <p:cNvPr id="160" name="CustomShape 6"/>
+          <p:cNvPr id="160" name="CustomShape 18"/>
           <p:cNvSpPr/>
           <p:nvPr/>
         </p:nvSpPr>
@@ -9848,7 +10506,7 @@
       </p:sp>
       <p:sp>
         <p:nvSpPr>
-          <p:cNvPr id="161" name="Line 2"/>
+          <p:cNvPr id="161" name="Line 9"/>
           <p:cNvSpPr/>
           <p:nvPr/>
         </p:nvSpPr>
@@ -9882,7 +10540,7 @@
       </p:sp>
       <p:sp>
         <p:nvSpPr>
-          <p:cNvPr id="162" name="PlaceHolder 2"/>
+          <p:cNvPr id="162" name="PlaceHolder 9"/>
           <p:cNvSpPr/>
           <p:nvPr/>
         </p:nvSpPr>
@@ -9916,7 +10574,7 @@
               </a:lnSpc>
               <a:buNone/>
             </a:pPr>
-            <a:fld id="{EBDB5319-AA81-4E9F-AB08-B8398DFA13C0}" type="slidenum">
+            <a:fld id="{DA56CE1F-73A6-4F9B-A1E4-958D2E800D31}" type="slidenum">
               <a:rPr b="0" lang="en-US" sz="1000" spc="-1" strike="noStrike">
                 <a:solidFill>
                   <a:srgbClr val="ffffff"/>
@@ -9934,7 +10592,7 @@
       </p:sp>
       <p:sp>
         <p:nvSpPr>
-          <p:cNvPr id="163" name="Zástupný symbol pro datum 3"/>
+          <p:cNvPr id="163" name="Zástupný symbol pro datum 9"/>
           <p:cNvSpPr/>
           <p:nvPr/>
         </p:nvSpPr>
@@ -9984,29 +10642,179 @@
           </a:p>
         </p:txBody>
       </p:sp>
-      <p:pic>
-        <p:nvPicPr>
-          <p:cNvPr id="164" name="" descr=""/>
-          <p:cNvPicPr/>
+      <p:sp>
+        <p:nvSpPr>
+          <p:cNvPr id="164" name="TextShape 16"/>
+          <p:cNvSpPr/>
           <p:nvPr/>
-        </p:nvPicPr>
-        <p:blipFill>
-          <a:blip r:embed="rId1"/>
-          <a:stretch/>
-        </p:blipFill>
-        <p:spPr>
-          <a:xfrm>
-            <a:off x="457200" y="3200400"/>
-            <a:ext cx="5714640" cy="1267200"/>
-          </a:xfrm>
-          <a:prstGeom prst="rect">
-            <a:avLst/>
-          </a:prstGeom>
-          <a:ln w="0">
-            <a:noFill/>
-          </a:ln>
-        </p:spPr>
-      </p:pic>
+        </p:nvSpPr>
+        <p:spPr>
+          <a:xfrm>
+            <a:off x="5943600" y="2057400"/>
+            <a:ext cx="3886200" cy="2971800"/>
+          </a:xfrm>
+          <a:prstGeom prst="rect">
+            <a:avLst/>
+          </a:prstGeom>
+          <a:noFill/>
+          <a:ln w="0">
+            <a:noFill/>
+          </a:ln>
+        </p:spPr>
+        <p:style>
+          <a:lnRef idx="0"/>
+          <a:fillRef idx="0"/>
+          <a:effectRef idx="0"/>
+          <a:fontRef idx="minor"/>
+        </p:style>
+        <p:txBody>
+          <a:bodyPr lIns="0" rIns="0" tIns="0" bIns="0" anchor="ctr">
+            <a:noAutofit/>
+          </a:bodyPr>
+          <a:p>
+            <a:pPr marL="216000" indent="-216000">
+              <a:lnSpc>
+                <a:spcPct val="100000"/>
+              </a:lnSpc>
+              <a:spcBef>
+                <a:spcPts val="575"/>
+              </a:spcBef>
+              <a:spcAft>
+                <a:spcPts val="575"/>
+              </a:spcAft>
+              <a:buClr>
+                <a:srgbClr val="616161"/>
+              </a:buClr>
+              <a:buSzPct val="45000"/>
+              <a:buFont typeface="Wingdings" charset="2"/>
+              <a:buChar char=""/>
+            </a:pPr>
+            <a:r>
+              <a:rPr b="0" lang="cs-CZ" sz="1400" spc="-1" strike="noStrike">
+                <a:solidFill>
+                  <a:srgbClr val="616161"/>
+                </a:solidFill>
+                <a:latin typeface="Verdana"/>
+                <a:ea typeface="DejaVu Sans"/>
+              </a:rPr>
+              <a:t>Let’s discover:</a:t>
+            </a:r>
+            <a:endParaRPr b="0" lang="en-US" sz="1400" spc="-1" strike="noStrike">
+              <a:solidFill>
+                <a:srgbClr val="616161"/>
+              </a:solidFill>
+              <a:latin typeface="Arial"/>
+            </a:endParaRPr>
+          </a:p>
+          <a:p>
+            <a:pPr marL="216000" indent="-216000">
+              <a:lnSpc>
+                <a:spcPct val="100000"/>
+              </a:lnSpc>
+              <a:spcBef>
+                <a:spcPts val="575"/>
+              </a:spcBef>
+              <a:spcAft>
+                <a:spcPts val="575"/>
+              </a:spcAft>
+              <a:buClr>
+                <a:srgbClr val="616161"/>
+              </a:buClr>
+              <a:buSzPct val="45000"/>
+              <a:buFont typeface="Wingdings" charset="2"/>
+              <a:buChar char=""/>
+            </a:pPr>
+            <a:r>
+              <a:rPr b="0" lang="cs-CZ" sz="1400" spc="-1" strike="noStrike">
+                <a:solidFill>
+                  <a:srgbClr val="616161"/>
+                </a:solidFill>
+                <a:latin typeface="Verdana"/>
+                <a:ea typeface="DejaVu Sans"/>
+                <a:hlinkClick r:id="rId1"/>
+              </a:rPr>
+              <a:t>https://openapi-map.apihandyman.io/</a:t>
+            </a:r>
+            <a:endParaRPr b="0" lang="en-US" sz="1400" spc="-1" strike="noStrike">
+              <a:solidFill>
+                <a:srgbClr val="616161"/>
+              </a:solidFill>
+              <a:latin typeface="Arial"/>
+            </a:endParaRPr>
+          </a:p>
+          <a:p>
+            <a:pPr marL="216000" indent="-216000">
+              <a:lnSpc>
+                <a:spcPct val="100000"/>
+              </a:lnSpc>
+              <a:spcBef>
+                <a:spcPts val="575"/>
+              </a:spcBef>
+              <a:spcAft>
+                <a:spcPts val="575"/>
+              </a:spcAft>
+              <a:buClr>
+                <a:srgbClr val="616161"/>
+              </a:buClr>
+              <a:buSzPct val="45000"/>
+              <a:buFont typeface="Wingdings" charset="2"/>
+              <a:buChar char=""/>
+            </a:pPr>
+            <a:r>
+              <a:rPr b="0" lang="cs-CZ" sz="1400" spc="-1" strike="noStrike">
+                <a:solidFill>
+                  <a:srgbClr val="616161"/>
+                </a:solidFill>
+                <a:latin typeface="Verdana"/>
+                <a:ea typeface="DejaVu Sans"/>
+              </a:rPr>
+              <a:t>and:</a:t>
+            </a:r>
+            <a:endParaRPr b="0" lang="en-US" sz="1400" spc="-1" strike="noStrike">
+              <a:solidFill>
+                <a:srgbClr val="616161"/>
+              </a:solidFill>
+              <a:latin typeface="Arial"/>
+            </a:endParaRPr>
+          </a:p>
+          <a:p>
+            <a:pPr marL="216000" indent="-216000">
+              <a:lnSpc>
+                <a:spcPct val="100000"/>
+              </a:lnSpc>
+              <a:spcBef>
+                <a:spcPts val="575"/>
+              </a:spcBef>
+              <a:spcAft>
+                <a:spcPts val="575"/>
+              </a:spcAft>
+              <a:buClr>
+                <a:srgbClr val="616161"/>
+              </a:buClr>
+              <a:buSzPct val="45000"/>
+              <a:buFont typeface="Wingdings" charset="2"/>
+              <a:buChar char=""/>
+            </a:pPr>
+            <a:r>
+              <a:rPr b="0" lang="cs-CZ" sz="1400" spc="-1" strike="noStrike">
+                <a:solidFill>
+                  <a:srgbClr val="616161"/>
+                </a:solidFill>
+                <a:latin typeface="Verdana"/>
+                <a:ea typeface="DejaVu Sans"/>
+                <a:hlinkClick r:id="rId2"/>
+              </a:rPr>
+              <a:t>https://swagger.io/specification/</a:t>
+            </a:r>
+            <a:endParaRPr b="0" lang="en-US" sz="1400" spc="-1" strike="noStrike">
+              <a:solidFill>
+                <a:srgbClr val="616161"/>
+              </a:solidFill>
+              <a:latin typeface="Arial"/>
+            </a:endParaRPr>
+          </a:p>
+        </p:txBody>
+      </p:sp>
       <p:pic>
         <p:nvPicPr>
           <p:cNvPr id="165" name="" descr=""/>
@@ -10014,36 +10822,13 @@
           <p:nvPr/>
         </p:nvPicPr>
         <p:blipFill>
-          <a:blip r:embed="rId2"/>
-          <a:stretch/>
-        </p:blipFill>
-        <p:spPr>
-          <a:xfrm>
-            <a:off x="457200" y="1703880"/>
-            <a:ext cx="5714640" cy="1267560"/>
-          </a:xfrm>
-          <a:prstGeom prst="rect">
-            <a:avLst/>
-          </a:prstGeom>
-          <a:ln w="0">
-            <a:noFill/>
-          </a:ln>
-        </p:spPr>
-      </p:pic>
-      <p:pic>
-        <p:nvPicPr>
-          <p:cNvPr id="166" name="" descr=""/>
-          <p:cNvPicPr/>
-          <p:nvPr/>
-        </p:nvPicPr>
-        <p:blipFill>
           <a:blip r:embed="rId3"/>
           <a:stretch/>
         </p:blipFill>
         <p:spPr>
           <a:xfrm>
-            <a:off x="457200" y="4572000"/>
-            <a:ext cx="3428640" cy="2116080"/>
+            <a:off x="457200" y="2321280"/>
+            <a:ext cx="4817880" cy="3381120"/>
           </a:xfrm>
           <a:prstGeom prst="rect">
             <a:avLst/>
@@ -10053,269 +10838,6 @@
           </a:ln>
         </p:spPr>
       </p:pic>
-      <p:pic>
-        <p:nvPicPr>
-          <p:cNvPr id="167" name="" descr=""/>
-          <p:cNvPicPr/>
-          <p:nvPr/>
-        </p:nvPicPr>
-        <p:blipFill>
-          <a:blip r:embed="rId4"/>
-          <a:stretch/>
-        </p:blipFill>
-        <p:spPr>
-          <a:xfrm>
-            <a:off x="3954600" y="5059440"/>
-            <a:ext cx="2217240" cy="1112400"/>
-          </a:xfrm>
-          <a:prstGeom prst="rect">
-            <a:avLst/>
-          </a:prstGeom>
-          <a:ln w="0">
-            <a:noFill/>
-          </a:ln>
-        </p:spPr>
-      </p:pic>
-      <p:sp>
-        <p:nvSpPr>
-          <p:cNvPr id="168" name=""/>
-          <p:cNvSpPr/>
-          <p:nvPr/>
-        </p:nvSpPr>
-        <p:spPr>
-          <a:xfrm>
-            <a:off x="6881400" y="1600200"/>
-            <a:ext cx="1371240" cy="1371240"/>
-          </a:xfrm>
-          <a:prstGeom prst="smileyFace">
-            <a:avLst>
-              <a:gd name="adj" fmla="val -8893"/>
-            </a:avLst>
-          </a:prstGeom>
-          <a:solidFill>
-            <a:srgbClr val="eeeeee"/>
-          </a:solidFill>
-          <a:ln w="0">
-            <a:solidFill>
-              <a:srgbClr val="3465a4"/>
-            </a:solidFill>
-          </a:ln>
-        </p:spPr>
-        <p:style>
-          <a:lnRef idx="0"/>
-          <a:fillRef idx="0"/>
-          <a:effectRef idx="0"/>
-          <a:fontRef idx="minor"/>
-        </p:style>
-      </p:sp>
-      <p:sp>
-        <p:nvSpPr>
-          <p:cNvPr id="169" name=""/>
-          <p:cNvSpPr/>
-          <p:nvPr/>
-        </p:nvSpPr>
-        <p:spPr>
-          <a:xfrm>
-            <a:off x="6881400" y="3200400"/>
-            <a:ext cx="1371240" cy="1371240"/>
-          </a:xfrm>
-          <a:prstGeom prst="smileyFace">
-            <a:avLst>
-              <a:gd name="adj" fmla="val -8893"/>
-            </a:avLst>
-          </a:prstGeom>
-          <a:solidFill>
-            <a:srgbClr val="eeeeee"/>
-          </a:solidFill>
-          <a:ln w="0">
-            <a:solidFill>
-              <a:srgbClr val="3465a4"/>
-            </a:solidFill>
-          </a:ln>
-        </p:spPr>
-        <p:style>
-          <a:lnRef idx="0"/>
-          <a:fillRef idx="0"/>
-          <a:effectRef idx="0"/>
-          <a:fontRef idx="minor"/>
-        </p:style>
-      </p:sp>
-      <p:sp>
-        <p:nvSpPr>
-          <p:cNvPr id="170" name=""/>
-          <p:cNvSpPr/>
-          <p:nvPr/>
-        </p:nvSpPr>
-        <p:spPr>
-          <a:xfrm>
-            <a:off x="6881400" y="4800600"/>
-            <a:ext cx="1371240" cy="1371240"/>
-          </a:xfrm>
-          <a:prstGeom prst="smileyFace">
-            <a:avLst>
-              <a:gd name="adj" fmla="val -8893"/>
-            </a:avLst>
-          </a:prstGeom>
-          <a:solidFill>
-            <a:srgbClr val="eeeeee"/>
-          </a:solidFill>
-          <a:ln w="0">
-            <a:solidFill>
-              <a:srgbClr val="3465a4"/>
-            </a:solidFill>
-          </a:ln>
-        </p:spPr>
-        <p:style>
-          <a:lnRef idx="0"/>
-          <a:fillRef idx="0"/>
-          <a:effectRef idx="0"/>
-          <a:fontRef idx="minor"/>
-        </p:style>
-      </p:sp>
-      <p:sp>
-        <p:nvSpPr>
-          <p:cNvPr id="171" name=""/>
-          <p:cNvSpPr/>
-          <p:nvPr/>
-        </p:nvSpPr>
-        <p:spPr>
-          <a:xfrm>
-            <a:off x="8481600" y="1912320"/>
-            <a:ext cx="1599840" cy="601920"/>
-          </a:xfrm>
-          <a:prstGeom prst="rect">
-            <a:avLst/>
-          </a:prstGeom>
-          <a:noFill/>
-          <a:ln w="0">
-            <a:noFill/>
-          </a:ln>
-        </p:spPr>
-        <p:style>
-          <a:lnRef idx="0"/>
-          <a:fillRef idx="0"/>
-          <a:effectRef idx="0"/>
-          <a:fontRef idx="minor"/>
-        </p:style>
-        <p:txBody>
-          <a:bodyPr lIns="90000" rIns="90000" tIns="45000" bIns="45000" anchor="t">
-            <a:noAutofit/>
-          </a:bodyPr>
-          <a:p>
-            <a:pPr>
-              <a:lnSpc>
-                <a:spcPct val="100000"/>
-              </a:lnSpc>
-              <a:buNone/>
-            </a:pPr>
-            <a:r>
-              <a:rPr b="0" lang="en-US" sz="1800" spc="-1" strike="noStrike">
-                <a:latin typeface="Arial"/>
-              </a:rPr>
-              <a:t>Laser engineer</a:t>
-            </a:r>
-            <a:endParaRPr b="0" lang="en-US" sz="1800" spc="-1" strike="noStrike">
-              <a:latin typeface="Arial"/>
-            </a:endParaRPr>
-          </a:p>
-        </p:txBody>
-      </p:sp>
-      <p:sp>
-        <p:nvSpPr>
-          <p:cNvPr id="172" name=""/>
-          <p:cNvSpPr/>
-          <p:nvPr/>
-        </p:nvSpPr>
-        <p:spPr>
-          <a:xfrm>
-            <a:off x="8481600" y="3512520"/>
-            <a:ext cx="1599840" cy="601920"/>
-          </a:xfrm>
-          <a:prstGeom prst="rect">
-            <a:avLst/>
-          </a:prstGeom>
-          <a:noFill/>
-          <a:ln w="0">
-            <a:noFill/>
-          </a:ln>
-        </p:spPr>
-        <p:style>
-          <a:lnRef idx="0"/>
-          <a:fillRef idx="0"/>
-          <a:effectRef idx="0"/>
-          <a:fontRef idx="minor"/>
-        </p:style>
-        <p:txBody>
-          <a:bodyPr lIns="90000" rIns="90000" tIns="45000" bIns="45000" anchor="t">
-            <a:noAutofit/>
-          </a:bodyPr>
-          <a:p>
-            <a:pPr>
-              <a:lnSpc>
-                <a:spcPct val="100000"/>
-              </a:lnSpc>
-              <a:buNone/>
-            </a:pPr>
-            <a:r>
-              <a:rPr b="0" lang="en-US" sz="1800" spc="-1" strike="noStrike">
-                <a:latin typeface="Arial"/>
-              </a:rPr>
-              <a:t>Laser scientist</a:t>
-            </a:r>
-            <a:endParaRPr b="0" lang="en-US" sz="1800" spc="-1" strike="noStrike">
-              <a:latin typeface="Arial"/>
-            </a:endParaRPr>
-          </a:p>
-        </p:txBody>
-      </p:sp>
-      <p:sp>
-        <p:nvSpPr>
-          <p:cNvPr id="173" name=""/>
-          <p:cNvSpPr/>
-          <p:nvPr/>
-        </p:nvSpPr>
-        <p:spPr>
-          <a:xfrm>
-            <a:off x="8481600" y="5257800"/>
-            <a:ext cx="1599840" cy="857880"/>
-          </a:xfrm>
-          <a:prstGeom prst="rect">
-            <a:avLst/>
-          </a:prstGeom>
-          <a:noFill/>
-          <a:ln w="0">
-            <a:noFill/>
-          </a:ln>
-        </p:spPr>
-        <p:style>
-          <a:lnRef idx="0"/>
-          <a:fillRef idx="0"/>
-          <a:effectRef idx="0"/>
-          <a:fontRef idx="minor"/>
-        </p:style>
-        <p:txBody>
-          <a:bodyPr lIns="90000" rIns="90000" tIns="45000" bIns="45000" anchor="t">
-            <a:noAutofit/>
-          </a:bodyPr>
-          <a:p>
-            <a:pPr>
-              <a:lnSpc>
-                <a:spcPct val="100000"/>
-              </a:lnSpc>
-              <a:buNone/>
-            </a:pPr>
-            <a:r>
-              <a:rPr b="0" lang="en-US" sz="1800" spc="-1" strike="noStrike">
-                <a:latin typeface="Arial"/>
-              </a:rPr>
-              <a:t>Control systems engineer</a:t>
-            </a:r>
-            <a:endParaRPr b="0" lang="en-US" sz="1800" spc="-1" strike="noStrike">
-              <a:latin typeface="Arial"/>
-            </a:endParaRPr>
-          </a:p>
-        </p:txBody>
-      </p:sp>
     </p:spTree>
   </p:cSld>
   <mc:AlternateContent>
@@ -10348,7 +10870,7 @@
       </p:grpSpPr>
       <p:sp>
         <p:nvSpPr>
-          <p:cNvPr id="174" name="TextShape 10"/>
+          <p:cNvPr id="166" name="TextShape 7"/>
           <p:cNvSpPr/>
           <p:nvPr/>
         </p:nvSpPr>
@@ -10390,7 +10912,7 @@
                 <a:latin typeface="Verdana"/>
                 <a:ea typeface="DejaVu Sans"/>
               </a:rPr>
-              <a:t>Analysis of the tutorial use case</a:t>
+              <a:t>Analysis of the tutorial example</a:t>
             </a:r>
             <a:endParaRPr b="0" lang="en-US" sz="3200" spc="-1" strike="noStrike">
               <a:latin typeface="Arial"/>
@@ -10421,7 +10943,7 @@
       </p:sp>
       <p:sp>
         <p:nvSpPr>
-          <p:cNvPr id="175" name="CustomShape 11"/>
+          <p:cNvPr id="167" name="CustomShape 5"/>
           <p:cNvSpPr/>
           <p:nvPr/>
         </p:nvSpPr>
@@ -10473,7 +10995,7 @@
       </p:sp>
       <p:sp>
         <p:nvSpPr>
-          <p:cNvPr id="176" name="CustomShape 12"/>
+          <p:cNvPr id="168" name="CustomShape 6"/>
           <p:cNvSpPr/>
           <p:nvPr/>
         </p:nvSpPr>
@@ -10525,7 +11047,7 @@
       </p:sp>
       <p:sp>
         <p:nvSpPr>
-          <p:cNvPr id="177" name="Line 6"/>
+          <p:cNvPr id="169" name="Line 2"/>
           <p:cNvSpPr/>
           <p:nvPr/>
         </p:nvSpPr>
@@ -10559,7 +11081,7 @@
       </p:sp>
       <p:sp>
         <p:nvSpPr>
-          <p:cNvPr id="178" name="PlaceHolder 5"/>
+          <p:cNvPr id="170" name="PlaceHolder 2"/>
           <p:cNvSpPr/>
           <p:nvPr/>
         </p:nvSpPr>
@@ -10593,7 +11115,7 @@
               </a:lnSpc>
               <a:buNone/>
             </a:pPr>
-            <a:fld id="{4C32CBF5-22E5-4118-8146-9629DD12EAA8}" type="slidenum">
+            <a:fld id="{3A0FF700-73A8-4098-BC2F-B2719C1B913F}" type="slidenum">
               <a:rPr b="0" lang="en-US" sz="1000" spc="-1" strike="noStrike">
                 <a:solidFill>
                   <a:srgbClr val="ffffff"/>
@@ -10611,7 +11133,7 @@
       </p:sp>
       <p:sp>
         <p:nvSpPr>
-          <p:cNvPr id="179" name="Zástupný symbol pro datum 6"/>
+          <p:cNvPr id="171" name="Zástupný symbol pro datum 3"/>
           <p:cNvSpPr/>
           <p:nvPr/>
         </p:nvSpPr>
@@ -10661,9 +11183,101 @@
           </a:p>
         </p:txBody>
       </p:sp>
-      <p:sp>
-        <p:nvSpPr>
-          <p:cNvPr id="180" name=""/>
+      <p:pic>
+        <p:nvPicPr>
+          <p:cNvPr id="172" name="" descr=""/>
+          <p:cNvPicPr/>
+          <p:nvPr/>
+        </p:nvPicPr>
+        <p:blipFill>
+          <a:blip r:embed="rId1"/>
+          <a:stretch/>
+        </p:blipFill>
+        <p:spPr>
+          <a:xfrm>
+            <a:off x="457200" y="3200400"/>
+            <a:ext cx="5714640" cy="1267200"/>
+          </a:xfrm>
+          <a:prstGeom prst="rect">
+            <a:avLst/>
+          </a:prstGeom>
+          <a:ln w="0">
+            <a:noFill/>
+          </a:ln>
+        </p:spPr>
+      </p:pic>
+      <p:pic>
+        <p:nvPicPr>
+          <p:cNvPr id="173" name="" descr=""/>
+          <p:cNvPicPr/>
+          <p:nvPr/>
+        </p:nvPicPr>
+        <p:blipFill>
+          <a:blip r:embed="rId2"/>
+          <a:stretch/>
+        </p:blipFill>
+        <p:spPr>
+          <a:xfrm>
+            <a:off x="457200" y="1703880"/>
+            <a:ext cx="5714640" cy="1267560"/>
+          </a:xfrm>
+          <a:prstGeom prst="rect">
+            <a:avLst/>
+          </a:prstGeom>
+          <a:ln w="0">
+            <a:noFill/>
+          </a:ln>
+        </p:spPr>
+      </p:pic>
+      <p:pic>
+        <p:nvPicPr>
+          <p:cNvPr id="174" name="" descr=""/>
+          <p:cNvPicPr/>
+          <p:nvPr/>
+        </p:nvPicPr>
+        <p:blipFill>
+          <a:blip r:embed="rId3"/>
+          <a:stretch/>
+        </p:blipFill>
+        <p:spPr>
+          <a:xfrm>
+            <a:off x="457200" y="4572000"/>
+            <a:ext cx="3428640" cy="2116080"/>
+          </a:xfrm>
+          <a:prstGeom prst="rect">
+            <a:avLst/>
+          </a:prstGeom>
+          <a:ln w="0">
+            <a:noFill/>
+          </a:ln>
+        </p:spPr>
+      </p:pic>
+      <p:pic>
+        <p:nvPicPr>
+          <p:cNvPr id="175" name="" descr=""/>
+          <p:cNvPicPr/>
+          <p:nvPr/>
+        </p:nvPicPr>
+        <p:blipFill>
+          <a:blip r:embed="rId4"/>
+          <a:stretch/>
+        </p:blipFill>
+        <p:spPr>
+          <a:xfrm>
+            <a:off x="3954600" y="5059440"/>
+            <a:ext cx="2217240" cy="1112400"/>
+          </a:xfrm>
+          <a:prstGeom prst="rect">
+            <a:avLst/>
+          </a:prstGeom>
+          <a:ln w="0">
+            <a:noFill/>
+          </a:ln>
+        </p:spPr>
+      </p:pic>
+      <p:sp>
+        <p:nvSpPr>
+          <p:cNvPr id="176" name=""/>
           <p:cNvSpPr/>
           <p:nvPr/>
         </p:nvSpPr>
@@ -10695,7 +11309,7 @@
       </p:sp>
       <p:sp>
         <p:nvSpPr>
-          <p:cNvPr id="181" name=""/>
+          <p:cNvPr id="177" name=""/>
           <p:cNvSpPr/>
           <p:nvPr/>
         </p:nvSpPr>
@@ -10727,7 +11341,7 @@
       </p:sp>
       <p:sp>
         <p:nvSpPr>
-          <p:cNvPr id="182" name=""/>
+          <p:cNvPr id="178" name=""/>
           <p:cNvSpPr/>
           <p:nvPr/>
         </p:nvSpPr>
@@ -10759,7 +11373,7 @@
       </p:sp>
       <p:sp>
         <p:nvSpPr>
-          <p:cNvPr id="183" name=""/>
+          <p:cNvPr id="179" name=""/>
           <p:cNvSpPr/>
           <p:nvPr/>
         </p:nvSpPr>
@@ -10807,7 +11421,7 @@
       </p:sp>
       <p:sp>
         <p:nvSpPr>
-          <p:cNvPr id="184" name=""/>
+          <p:cNvPr id="180" name=""/>
           <p:cNvSpPr/>
           <p:nvPr/>
         </p:nvSpPr>
@@ -10855,7 +11469,7 @@
       </p:sp>
       <p:sp>
         <p:nvSpPr>
-          <p:cNvPr id="185" name=""/>
+          <p:cNvPr id="181" name=""/>
           <p:cNvSpPr/>
           <p:nvPr/>
         </p:nvSpPr>
@@ -10894,218 +11508,6 @@
                 <a:latin typeface="Arial"/>
               </a:rPr>
               <a:t>Control systems engineer</a:t>
-            </a:r>
-            <a:endParaRPr b="0" lang="en-US" sz="1800" spc="-1" strike="noStrike">
-              <a:latin typeface="Arial"/>
-            </a:endParaRPr>
-          </a:p>
-        </p:txBody>
-      </p:sp>
-      <p:sp>
-        <p:nvSpPr>
-          <p:cNvPr id="186" name=""/>
-          <p:cNvSpPr/>
-          <p:nvPr/>
-        </p:nvSpPr>
-        <p:spPr>
-          <a:xfrm>
-            <a:off x="1600200" y="2057400"/>
-            <a:ext cx="2971440" cy="2971440"/>
-          </a:xfrm>
-          <a:prstGeom prst="smileyFace">
-            <a:avLst>
-              <a:gd name="adj" fmla="val -8893"/>
-            </a:avLst>
-          </a:prstGeom>
-          <a:solidFill>
-            <a:srgbClr val="eeeeee"/>
-          </a:solidFill>
-          <a:ln w="0">
-            <a:solidFill>
-              <a:srgbClr val="3465a4"/>
-            </a:solidFill>
-          </a:ln>
-        </p:spPr>
-        <p:style>
-          <a:lnRef idx="0"/>
-          <a:fillRef idx="0"/>
-          <a:effectRef idx="0"/>
-          <a:fontRef idx="minor"/>
-        </p:style>
-      </p:sp>
-      <p:sp>
-        <p:nvSpPr>
-          <p:cNvPr id="187" name=""/>
-          <p:cNvSpPr/>
-          <p:nvPr/>
-        </p:nvSpPr>
-        <p:spPr>
-          <a:xfrm>
-            <a:off x="2394000" y="5368680"/>
-            <a:ext cx="1599840" cy="345960"/>
-          </a:xfrm>
-          <a:prstGeom prst="rect">
-            <a:avLst/>
-          </a:prstGeom>
-          <a:noFill/>
-          <a:ln w="0">
-            <a:noFill/>
-          </a:ln>
-        </p:spPr>
-        <p:style>
-          <a:lnRef idx="0"/>
-          <a:fillRef idx="0"/>
-          <a:effectRef idx="0"/>
-          <a:fontRef idx="minor"/>
-        </p:style>
-        <p:txBody>
-          <a:bodyPr lIns="90000" rIns="90000" tIns="45000" bIns="45000" anchor="t">
-            <a:noAutofit/>
-          </a:bodyPr>
-          <a:p>
-            <a:pPr>
-              <a:lnSpc>
-                <a:spcPct val="100000"/>
-              </a:lnSpc>
-              <a:buNone/>
-            </a:pPr>
-            <a:r>
-              <a:rPr b="0" lang="en-US" sz="1800" spc="-1" strike="noStrike">
-                <a:latin typeface="Arial"/>
-              </a:rPr>
-              <a:t>Manager(s)</a:t>
-            </a:r>
-            <a:endParaRPr b="0" lang="en-US" sz="1800" spc="-1" strike="noStrike">
-              <a:latin typeface="Arial"/>
-            </a:endParaRPr>
-          </a:p>
-        </p:txBody>
-      </p:sp>
-      <p:sp>
-        <p:nvSpPr>
-          <p:cNvPr id="188" name=""/>
-          <p:cNvSpPr/>
-          <p:nvPr/>
-        </p:nvSpPr>
-        <p:spPr>
-          <a:xfrm flipH="1">
-            <a:off x="4572000" y="2286000"/>
-            <a:ext cx="2286000" cy="914400"/>
-          </a:xfrm>
-          <a:prstGeom prst="line">
-            <a:avLst/>
-          </a:prstGeom>
-          <a:ln w="0">
-            <a:solidFill>
-              <a:srgbClr val="3465a4"/>
-            </a:solidFill>
-            <a:tailEnd len="med" type="triangle" w="med"/>
-          </a:ln>
-        </p:spPr>
-        <p:style>
-          <a:lnRef idx="0"/>
-          <a:fillRef idx="0"/>
-          <a:effectRef idx="0"/>
-          <a:fontRef idx="minor"/>
-        </p:style>
-      </p:sp>
-      <p:sp>
-        <p:nvSpPr>
-          <p:cNvPr id="189" name=""/>
-          <p:cNvSpPr/>
-          <p:nvPr/>
-        </p:nvSpPr>
-        <p:spPr>
-          <a:xfrm flipH="1" flipV="1">
-            <a:off x="4572000" y="3657600"/>
-            <a:ext cx="2309400" cy="228600"/>
-          </a:xfrm>
-          <a:prstGeom prst="line">
-            <a:avLst/>
-          </a:prstGeom>
-          <a:ln w="0">
-            <a:solidFill>
-              <a:srgbClr val="3465a4"/>
-            </a:solidFill>
-            <a:tailEnd len="med" type="triangle" w="med"/>
-          </a:ln>
-        </p:spPr>
-        <p:style>
-          <a:lnRef idx="0"/>
-          <a:fillRef idx="0"/>
-          <a:effectRef idx="0"/>
-          <a:fontRef idx="minor"/>
-        </p:style>
-      </p:sp>
-      <p:sp>
-        <p:nvSpPr>
-          <p:cNvPr id="190" name=""/>
-          <p:cNvSpPr/>
-          <p:nvPr/>
-        </p:nvSpPr>
-        <p:spPr>
-          <a:xfrm flipH="1" flipV="1">
-            <a:off x="4572000" y="4114800"/>
-            <a:ext cx="2309400" cy="1371600"/>
-          </a:xfrm>
-          <a:prstGeom prst="line">
-            <a:avLst/>
-          </a:prstGeom>
-          <a:ln w="0">
-            <a:solidFill>
-              <a:srgbClr val="3465a4"/>
-            </a:solidFill>
-            <a:tailEnd len="med" type="triangle" w="med"/>
-          </a:ln>
-        </p:spPr>
-        <p:style>
-          <a:lnRef idx="0"/>
-          <a:fillRef idx="0"/>
-          <a:effectRef idx="0"/>
-          <a:fontRef idx="minor"/>
-        </p:style>
-      </p:sp>
-      <p:sp>
-        <p:nvSpPr>
-          <p:cNvPr id="191" name=""/>
-          <p:cNvSpPr/>
-          <p:nvPr/>
-        </p:nvSpPr>
-        <p:spPr>
-          <a:xfrm>
-            <a:off x="4800600" y="2168280"/>
-            <a:ext cx="1599840" cy="345960"/>
-          </a:xfrm>
-          <a:prstGeom prst="rect">
-            <a:avLst/>
-          </a:prstGeom>
-          <a:noFill/>
-          <a:ln w="0">
-            <a:noFill/>
-          </a:ln>
-        </p:spPr>
-        <p:style>
-          <a:lnRef idx="0"/>
-          <a:fillRef idx="0"/>
-          <a:effectRef idx="0"/>
-          <a:fontRef idx="minor"/>
-        </p:style>
-        <p:txBody>
-          <a:bodyPr lIns="90000" rIns="90000" tIns="45000" bIns="45000" anchor="t">
-            <a:noAutofit/>
-          </a:bodyPr>
-          <a:p>
-            <a:pPr>
-              <a:lnSpc>
-                <a:spcPct val="100000"/>
-              </a:lnSpc>
-              <a:buNone/>
-            </a:pPr>
-            <a:r>
-              <a:rPr b="0" lang="en-US" sz="1800" spc="-1" strike="noStrike">
-                <a:latin typeface="Arial"/>
-              </a:rPr>
-              <a:t>Reporting</a:t>
             </a:r>
             <a:endParaRPr b="0" lang="en-US" sz="1800" spc="-1" strike="noStrike">
               <a:latin typeface="Arial"/>
@@ -11145,7 +11547,7 @@
       </p:grpSpPr>
       <p:sp>
         <p:nvSpPr>
-          <p:cNvPr id="192" name="TextShape 8"/>
+          <p:cNvPr id="182" name="TextShape 10"/>
           <p:cNvSpPr/>
           <p:nvPr/>
         </p:nvSpPr>
@@ -11187,7 +11589,7 @@
                 <a:latin typeface="Verdana"/>
                 <a:ea typeface="DejaVu Sans"/>
               </a:rPr>
-              <a:t>Analysis of the tutorial use case</a:t>
+              <a:t>Analysis of the tutorial example</a:t>
             </a:r>
             <a:endParaRPr b="0" lang="en-US" sz="3200" spc="-1" strike="noStrike">
               <a:latin typeface="Arial"/>
@@ -11218,7 +11620,7 @@
       </p:sp>
       <p:sp>
         <p:nvSpPr>
-          <p:cNvPr id="193" name="CustomShape 7"/>
+          <p:cNvPr id="183" name="CustomShape 11"/>
           <p:cNvSpPr/>
           <p:nvPr/>
         </p:nvSpPr>
@@ -11270,7 +11672,7 @@
       </p:sp>
       <p:sp>
         <p:nvSpPr>
-          <p:cNvPr id="194" name="CustomShape 8"/>
+          <p:cNvPr id="184" name="CustomShape 12"/>
           <p:cNvSpPr/>
           <p:nvPr/>
         </p:nvSpPr>
@@ -11322,7 +11724,7 @@
       </p:sp>
       <p:sp>
         <p:nvSpPr>
-          <p:cNvPr id="195" name="Line 4"/>
+          <p:cNvPr id="185" name="Line 6"/>
           <p:cNvSpPr/>
           <p:nvPr/>
         </p:nvSpPr>
@@ -11356,7 +11758,7 @@
       </p:sp>
       <p:sp>
         <p:nvSpPr>
-          <p:cNvPr id="196" name="PlaceHolder 3"/>
+          <p:cNvPr id="186" name="PlaceHolder 5"/>
           <p:cNvSpPr/>
           <p:nvPr/>
         </p:nvSpPr>
@@ -11390,7 +11792,7 @@
               </a:lnSpc>
               <a:buNone/>
             </a:pPr>
-            <a:fld id="{03595513-6E74-401E-BAC1-11EB910D7971}" type="slidenum">
+            <a:fld id="{44D10130-53F2-47FA-950C-5C0907CB4403}" type="slidenum">
               <a:rPr b="0" lang="en-US" sz="1000" spc="-1" strike="noStrike">
                 <a:solidFill>
                   <a:srgbClr val="ffffff"/>
@@ -11408,7 +11810,7 @@
       </p:sp>
       <p:sp>
         <p:nvSpPr>
-          <p:cNvPr id="197" name="Zástupný symbol pro datum 4"/>
+          <p:cNvPr id="187" name="Zástupný symbol pro datum 6"/>
           <p:cNvSpPr/>
           <p:nvPr/>
         </p:nvSpPr>
@@ -11458,120 +11860,28 @@
           </a:p>
         </p:txBody>
       </p:sp>
-      <p:pic>
-        <p:nvPicPr>
-          <p:cNvPr id="198" name="" descr=""/>
-          <p:cNvPicPr/>
-          <p:nvPr/>
-        </p:nvPicPr>
-        <p:blipFill>
-          <a:blip r:embed="rId1"/>
-          <a:stretch/>
-        </p:blipFill>
-        <p:spPr>
-          <a:xfrm>
-            <a:off x="457200" y="3200400"/>
-            <a:ext cx="5714640" cy="1267200"/>
-          </a:xfrm>
-          <a:prstGeom prst="rect">
-            <a:avLst/>
-          </a:prstGeom>
-          <a:ln w="0">
-            <a:noFill/>
-          </a:ln>
-        </p:spPr>
-      </p:pic>
-      <p:pic>
-        <p:nvPicPr>
-          <p:cNvPr id="199" name="" descr=""/>
-          <p:cNvPicPr/>
-          <p:nvPr/>
-        </p:nvPicPr>
-        <p:blipFill>
-          <a:blip r:embed="rId2"/>
-          <a:stretch/>
-        </p:blipFill>
-        <p:spPr>
-          <a:xfrm>
-            <a:off x="457200" y="1703880"/>
-            <a:ext cx="5714640" cy="1267560"/>
-          </a:xfrm>
-          <a:prstGeom prst="rect">
-            <a:avLst/>
-          </a:prstGeom>
-          <a:ln w="0">
-            <a:noFill/>
-          </a:ln>
-        </p:spPr>
-      </p:pic>
-      <p:pic>
-        <p:nvPicPr>
-          <p:cNvPr id="200" name="" descr=""/>
-          <p:cNvPicPr/>
-          <p:nvPr/>
-        </p:nvPicPr>
-        <p:blipFill>
-          <a:blip r:embed="rId3"/>
-          <a:stretch/>
-        </p:blipFill>
-        <p:spPr>
-          <a:xfrm>
-            <a:off x="457200" y="4572000"/>
-            <a:ext cx="3428640" cy="2116080"/>
-          </a:xfrm>
-          <a:prstGeom prst="rect">
-            <a:avLst/>
-          </a:prstGeom>
-          <a:ln w="0">
-            <a:noFill/>
-          </a:ln>
-        </p:spPr>
-      </p:pic>
-      <p:pic>
-        <p:nvPicPr>
-          <p:cNvPr id="201" name="" descr=""/>
-          <p:cNvPicPr/>
-          <p:nvPr/>
-        </p:nvPicPr>
-        <p:blipFill>
-          <a:blip r:embed="rId4"/>
-          <a:stretch/>
-        </p:blipFill>
-        <p:spPr>
-          <a:xfrm>
-            <a:off x="3954600" y="5059440"/>
-            <a:ext cx="2217240" cy="1112400"/>
-          </a:xfrm>
-          <a:prstGeom prst="rect">
-            <a:avLst/>
-          </a:prstGeom>
-          <a:ln w="0">
-            <a:noFill/>
-          </a:ln>
-        </p:spPr>
-      </p:pic>
-      <p:sp>
-        <p:nvSpPr>
-          <p:cNvPr id="202" name=""/>
+      <p:sp>
+        <p:nvSpPr>
+          <p:cNvPr id="188" name=""/>
           <p:cNvSpPr/>
           <p:nvPr/>
         </p:nvSpPr>
         <p:spPr>
           <a:xfrm>
-            <a:off x="7315200" y="2514600"/>
-            <a:ext cx="2514240" cy="2514240"/>
-          </a:xfrm>
-          <a:prstGeom prst="ellipse">
-            <a:avLst/>
+            <a:off x="6881400" y="1600200"/>
+            <a:ext cx="1371240" cy="1371240"/>
+          </a:xfrm>
+          <a:prstGeom prst="smileyFace">
+            <a:avLst>
+              <a:gd name="adj" fmla="val -8893"/>
+            </a:avLst>
           </a:prstGeom>
           <a:solidFill>
-            <a:srgbClr val="b3e5fc"/>
+            <a:srgbClr val="eeeeee"/>
           </a:solidFill>
           <a:ln w="0">
             <a:solidFill>
-              <a:srgbClr val="3465a4">
-                <a:alpha val="70000"/>
-              </a:srgbClr>
+              <a:srgbClr val="3465a4"/>
             </a:solidFill>
           </a:ln>
         </p:spPr>
@@ -11581,52 +11891,30 @@
           <a:effectRef idx="0"/>
           <a:fontRef idx="minor"/>
         </p:style>
-        <p:txBody>
-          <a:bodyPr lIns="90000" rIns="90000" tIns="45000" bIns="45000" anchor="ctr">
-            <a:noAutofit/>
-          </a:bodyPr>
-          <a:p>
-            <a:pPr algn="ctr">
-              <a:lnSpc>
-                <a:spcPct val="100000"/>
-              </a:lnSpc>
-              <a:buNone/>
-            </a:pPr>
-            <a:r>
-              <a:rPr b="0" lang="en-US" sz="2600" spc="-1" strike="noStrike">
-                <a:solidFill>
-                  <a:srgbClr val="000000"/>
-                </a:solidFill>
-                <a:latin typeface="Arial"/>
-                <a:ea typeface="DejaVu Sans"/>
-              </a:rPr>
-              <a:t>System</a:t>
-            </a:r>
-            <a:endParaRPr b="0" lang="en-US" sz="2600" spc="-1" strike="noStrike">
-              <a:latin typeface="Arial"/>
-            </a:endParaRPr>
-          </a:p>
-        </p:txBody>
-      </p:sp>
-      <p:sp>
-        <p:nvSpPr>
-          <p:cNvPr id="203" name=""/>
+      </p:sp>
+      <p:sp>
+        <p:nvSpPr>
+          <p:cNvPr id="189" name=""/>
           <p:cNvSpPr/>
           <p:nvPr/>
         </p:nvSpPr>
         <p:spPr>
           <a:xfrm>
-            <a:off x="6172200" y="2286000"/>
-            <a:ext cx="1371600" cy="685800"/>
-          </a:xfrm>
-          <a:prstGeom prst="line">
-            <a:avLst/>
-          </a:prstGeom>
+            <a:off x="6881400" y="3200400"/>
+            <a:ext cx="1371240" cy="1371240"/>
+          </a:xfrm>
+          <a:prstGeom prst="smileyFace">
+            <a:avLst>
+              <a:gd name="adj" fmla="val -8893"/>
+            </a:avLst>
+          </a:prstGeom>
+          <a:solidFill>
+            <a:srgbClr val="eeeeee"/>
+          </a:solidFill>
           <a:ln w="0">
             <a:solidFill>
               <a:srgbClr val="3465a4"/>
             </a:solidFill>
-            <a:tailEnd len="med" type="triangle" w="med"/>
           </a:ln>
         </p:spPr>
         <p:style>
@@ -11638,23 +11926,27 @@
       </p:sp>
       <p:sp>
         <p:nvSpPr>
-          <p:cNvPr id="204" name=""/>
+          <p:cNvPr id="190" name=""/>
           <p:cNvSpPr/>
           <p:nvPr/>
         </p:nvSpPr>
         <p:spPr>
           <a:xfrm>
-            <a:off x="6172200" y="3886200"/>
-            <a:ext cx="1143000" cy="360"/>
-          </a:xfrm>
-          <a:prstGeom prst="line">
-            <a:avLst/>
-          </a:prstGeom>
+            <a:off x="6881400" y="4800600"/>
+            <a:ext cx="1371240" cy="1371240"/>
+          </a:xfrm>
+          <a:prstGeom prst="smileyFace">
+            <a:avLst>
+              <a:gd name="adj" fmla="val -8893"/>
+            </a:avLst>
+          </a:prstGeom>
+          <a:solidFill>
+            <a:srgbClr val="eeeeee"/>
+          </a:solidFill>
           <a:ln w="0">
             <a:solidFill>
               <a:srgbClr val="3465a4"/>
             </a:solidFill>
-            <a:tailEnd len="med" type="triangle" w="med"/>
           </a:ln>
         </p:spPr>
         <p:style>
@@ -11666,23 +11958,21 @@
       </p:sp>
       <p:sp>
         <p:nvSpPr>
-          <p:cNvPr id="205" name=""/>
+          <p:cNvPr id="191" name=""/>
           <p:cNvSpPr/>
           <p:nvPr/>
         </p:nvSpPr>
         <p:spPr>
-          <a:xfrm flipV="1">
-            <a:off x="6172200" y="4572000"/>
-            <a:ext cx="1371600" cy="1143000"/>
-          </a:xfrm>
-          <a:prstGeom prst="line">
-            <a:avLst/>
-          </a:prstGeom>
-          <a:ln w="0">
-            <a:solidFill>
-              <a:srgbClr val="3465a4"/>
-            </a:solidFill>
-            <a:tailEnd len="med" type="triangle" w="med"/>
+          <a:xfrm>
+            <a:off x="8481600" y="1912320"/>
+            <a:ext cx="1599840" cy="601920"/>
+          </a:xfrm>
+          <a:prstGeom prst="rect">
+            <a:avLst/>
+          </a:prstGeom>
+          <a:noFill/>
+          <a:ln w="0">
+            <a:noFill/>
           </a:ln>
         </p:spPr>
         <p:style>
@@ -11691,17 +11981,39 @@
           <a:effectRef idx="0"/>
           <a:fontRef idx="minor"/>
         </p:style>
-      </p:sp>
-      <p:sp>
-        <p:nvSpPr>
-          <p:cNvPr id="206" name=""/>
+        <p:txBody>
+          <a:bodyPr lIns="90000" rIns="90000" tIns="45000" bIns="45000" anchor="t">
+            <a:noAutofit/>
+          </a:bodyPr>
+          <a:p>
+            <a:pPr>
+              <a:lnSpc>
+                <a:spcPct val="100000"/>
+              </a:lnSpc>
+              <a:buNone/>
+            </a:pPr>
+            <a:r>
+              <a:rPr b="0" lang="en-US" sz="1800" spc="-1" strike="noStrike">
+                <a:latin typeface="Arial"/>
+              </a:rPr>
+              <a:t>Laser engineer</a:t>
+            </a:r>
+            <a:endParaRPr b="0" lang="en-US" sz="1800" spc="-1" strike="noStrike">
+              <a:latin typeface="Arial"/>
+            </a:endParaRPr>
+          </a:p>
+        </p:txBody>
+      </p:sp>
+      <p:sp>
+        <p:nvSpPr>
+          <p:cNvPr id="192" name=""/>
           <p:cNvSpPr/>
           <p:nvPr/>
         </p:nvSpPr>
         <p:spPr>
           <a:xfrm>
-            <a:off x="6629400" y="1600200"/>
-            <a:ext cx="914040" cy="345960"/>
+            <a:off x="8481600" y="3512520"/>
+            <a:ext cx="1599840" cy="601920"/>
           </a:xfrm>
           <a:prstGeom prst="rect">
             <a:avLst/>
@@ -11732,7 +12044,7 @@
               <a:rPr b="0" lang="en-US" sz="1800" spc="-1" strike="noStrike">
                 <a:latin typeface="Arial"/>
               </a:rPr>
-              <a:t>Pump</a:t>
+              <a:t>Laser scientist</a:t>
             </a:r>
             <a:endParaRPr b="0" lang="en-US" sz="1800" spc="-1" strike="noStrike">
               <a:latin typeface="Arial"/>
@@ -11742,14 +12054,14 @@
       </p:sp>
       <p:sp>
         <p:nvSpPr>
-          <p:cNvPr id="207" name=""/>
+          <p:cNvPr id="193" name=""/>
           <p:cNvSpPr/>
           <p:nvPr/>
         </p:nvSpPr>
         <p:spPr>
           <a:xfrm>
-            <a:off x="8458200" y="1600200"/>
-            <a:ext cx="1371240" cy="345960"/>
+            <a:off x="8481600" y="5257800"/>
+            <a:ext cx="1599840" cy="857880"/>
           </a:xfrm>
           <a:prstGeom prst="rect">
             <a:avLst/>
@@ -11780,7 +12092,7 @@
               <a:rPr b="0" lang="en-US" sz="1800" spc="-1" strike="noStrike">
                 <a:latin typeface="Arial"/>
               </a:rPr>
-              <a:t>Oscillator</a:t>
+              <a:t>Control systems engineer</a:t>
             </a:r>
             <a:endParaRPr b="0" lang="en-US" sz="1800" spc="-1" strike="noStrike">
               <a:latin typeface="Arial"/>
@@ -11790,21 +12102,27 @@
       </p:sp>
       <p:sp>
         <p:nvSpPr>
-          <p:cNvPr id="208" name=""/>
+          <p:cNvPr id="194" name=""/>
           <p:cNvSpPr/>
           <p:nvPr/>
         </p:nvSpPr>
         <p:spPr>
           <a:xfrm>
-            <a:off x="6858000" y="2168280"/>
-            <a:ext cx="914040" cy="345960"/>
-          </a:xfrm>
-          <a:prstGeom prst="rect">
-            <a:avLst/>
-          </a:prstGeom>
-          <a:noFill/>
-          <a:ln w="0">
-            <a:noFill/>
+            <a:off x="1600200" y="2057400"/>
+            <a:ext cx="2971440" cy="2971440"/>
+          </a:xfrm>
+          <a:prstGeom prst="smileyFace">
+            <a:avLst>
+              <a:gd name="adj" fmla="val -8893"/>
+            </a:avLst>
+          </a:prstGeom>
+          <a:solidFill>
+            <a:srgbClr val="eeeeee"/>
+          </a:solidFill>
+          <a:ln w="0">
+            <a:solidFill>
+              <a:srgbClr val="3465a4"/>
+            </a:solidFill>
           </a:ln>
         </p:spPr>
         <p:style>
@@ -11813,38 +12131,16 @@
           <a:effectRef idx="0"/>
           <a:fontRef idx="minor"/>
         </p:style>
-        <p:txBody>
-          <a:bodyPr lIns="90000" rIns="90000" tIns="45000" bIns="45000" anchor="t">
-            <a:noAutofit/>
-          </a:bodyPr>
-          <a:p>
-            <a:pPr>
-              <a:lnSpc>
-                <a:spcPct val="100000"/>
-              </a:lnSpc>
-              <a:buNone/>
-            </a:pPr>
-            <a:r>
-              <a:rPr b="0" lang="en-US" sz="1800" spc="-1" strike="noStrike">
-                <a:latin typeface="Arial"/>
-              </a:rPr>
-              <a:t>Mirror</a:t>
-            </a:r>
-            <a:endParaRPr b="0" lang="en-US" sz="1800" spc="-1" strike="noStrike">
-              <a:latin typeface="Arial"/>
-            </a:endParaRPr>
-          </a:p>
-        </p:txBody>
-      </p:sp>
-      <p:sp>
-        <p:nvSpPr>
-          <p:cNvPr id="209" name=""/>
+      </p:sp>
+      <p:sp>
+        <p:nvSpPr>
+          <p:cNvPr id="195" name=""/>
           <p:cNvSpPr/>
           <p:nvPr/>
         </p:nvSpPr>
         <p:spPr>
           <a:xfrm>
-            <a:off x="9144000" y="2168280"/>
+            <a:off x="2394000" y="5368680"/>
             <a:ext cx="1599840" cy="345960"/>
           </a:xfrm>
           <a:prstGeom prst="rect">
@@ -11876,7 +12172,7 @@
               <a:rPr b="0" lang="en-US" sz="1800" spc="-1" strike="noStrike">
                 <a:latin typeface="Arial"/>
               </a:rPr>
-              <a:t>Spectrometer</a:t>
+              <a:t>Manager(s)</a:t>
             </a:r>
             <a:endParaRPr b="0" lang="en-US" sz="1800" spc="-1" strike="noStrike">
               <a:latin typeface="Arial"/>
@@ -11886,21 +12182,23 @@
       </p:sp>
       <p:sp>
         <p:nvSpPr>
-          <p:cNvPr id="210" name=""/>
+          <p:cNvPr id="196" name=""/>
           <p:cNvSpPr/>
           <p:nvPr/>
         </p:nvSpPr>
         <p:spPr>
-          <a:xfrm>
-            <a:off x="8001000" y="2057400"/>
-            <a:ext cx="1142640" cy="345960"/>
-          </a:xfrm>
-          <a:prstGeom prst="rect">
-            <a:avLst/>
-          </a:prstGeom>
-          <a:noFill/>
-          <a:ln w="0">
-            <a:noFill/>
+          <a:xfrm flipH="1">
+            <a:off x="4572000" y="2286000"/>
+            <a:ext cx="2286000" cy="914400"/>
+          </a:xfrm>
+          <a:prstGeom prst="line">
+            <a:avLst/>
+          </a:prstGeom>
+          <a:ln w="0">
+            <a:solidFill>
+              <a:srgbClr val="3465a4"/>
+            </a:solidFill>
+            <a:tailEnd len="med" type="triangle" w="med"/>
           </a:ln>
         </p:spPr>
         <p:style>
@@ -11909,46 +12207,26 @@
           <a:effectRef idx="0"/>
           <a:fontRef idx="minor"/>
         </p:style>
-        <p:txBody>
-          <a:bodyPr lIns="90000" rIns="90000" tIns="45000" bIns="45000" anchor="t">
-            <a:noAutofit/>
-          </a:bodyPr>
-          <a:p>
-            <a:pPr>
-              <a:lnSpc>
-                <a:spcPct val="100000"/>
-              </a:lnSpc>
-              <a:buNone/>
-            </a:pPr>
-            <a:r>
-              <a:rPr b="0" lang="en-US" sz="1800" spc="-1" strike="noStrike">
-                <a:latin typeface="Arial"/>
-              </a:rPr>
-              <a:t>Crystal</a:t>
-            </a:r>
-            <a:endParaRPr b="0" lang="en-US" sz="1800" spc="-1" strike="noStrike">
-              <a:latin typeface="Arial"/>
-            </a:endParaRPr>
-          </a:p>
-        </p:txBody>
-      </p:sp>
-      <p:sp>
-        <p:nvSpPr>
-          <p:cNvPr id="211" name=""/>
+      </p:sp>
+      <p:sp>
+        <p:nvSpPr>
+          <p:cNvPr id="197" name=""/>
           <p:cNvSpPr/>
           <p:nvPr/>
         </p:nvSpPr>
         <p:spPr>
-          <a:xfrm>
-            <a:off x="6172200" y="4572000"/>
-            <a:ext cx="914040" cy="345960"/>
-          </a:xfrm>
-          <a:prstGeom prst="rect">
-            <a:avLst/>
-          </a:prstGeom>
-          <a:noFill/>
-          <a:ln w="0">
-            <a:noFill/>
+          <a:xfrm flipH="1" flipV="1">
+            <a:off x="4572000" y="3657600"/>
+            <a:ext cx="2309400" cy="228600"/>
+          </a:xfrm>
+          <a:prstGeom prst="line">
+            <a:avLst/>
+          </a:prstGeom>
+          <a:ln w="0">
+            <a:solidFill>
+              <a:srgbClr val="3465a4"/>
+            </a:solidFill>
+            <a:tailEnd len="med" type="triangle" w="med"/>
           </a:ln>
         </p:spPr>
         <p:style>
@@ -11957,46 +12235,26 @@
           <a:effectRef idx="0"/>
           <a:fontRef idx="minor"/>
         </p:style>
-        <p:txBody>
-          <a:bodyPr lIns="90000" rIns="90000" tIns="45000" bIns="45000" anchor="t">
-            <a:noAutofit/>
-          </a:bodyPr>
-          <a:p>
-            <a:pPr>
-              <a:lnSpc>
-                <a:spcPct val="100000"/>
-              </a:lnSpc>
-              <a:buNone/>
-            </a:pPr>
-            <a:r>
-              <a:rPr b="0" lang="en-US" sz="1800" spc="-1" strike="noStrike">
-                <a:latin typeface="Arial"/>
-              </a:rPr>
-              <a:t>Switch</a:t>
-            </a:r>
-            <a:endParaRPr b="0" lang="en-US" sz="1800" spc="-1" strike="noStrike">
-              <a:latin typeface="Arial"/>
-            </a:endParaRPr>
-          </a:p>
-        </p:txBody>
-      </p:sp>
-      <p:sp>
-        <p:nvSpPr>
-          <p:cNvPr id="212" name=""/>
+      </p:sp>
+      <p:sp>
+        <p:nvSpPr>
+          <p:cNvPr id="198" name=""/>
           <p:cNvSpPr/>
           <p:nvPr/>
         </p:nvSpPr>
         <p:spPr>
-          <a:xfrm>
-            <a:off x="6858000" y="5597280"/>
-            <a:ext cx="914040" cy="345960"/>
-          </a:xfrm>
-          <a:prstGeom prst="rect">
-            <a:avLst/>
-          </a:prstGeom>
-          <a:noFill/>
-          <a:ln w="0">
-            <a:noFill/>
+          <a:xfrm flipH="1" flipV="1">
+            <a:off x="4572000" y="4114800"/>
+            <a:ext cx="2309400" cy="1371600"/>
+          </a:xfrm>
+          <a:prstGeom prst="line">
+            <a:avLst/>
+          </a:prstGeom>
+          <a:ln w="0">
+            <a:solidFill>
+              <a:srgbClr val="3465a4"/>
+            </a:solidFill>
+            <a:tailEnd len="med" type="triangle" w="med"/>
           </a:ln>
         </p:spPr>
         <p:style>
@@ -12005,39 +12263,17 @@
           <a:effectRef idx="0"/>
           <a:fontRef idx="minor"/>
         </p:style>
-        <p:txBody>
-          <a:bodyPr lIns="90000" rIns="90000" tIns="45000" bIns="45000" anchor="t">
-            <a:noAutofit/>
-          </a:bodyPr>
-          <a:p>
-            <a:pPr>
-              <a:lnSpc>
-                <a:spcPct val="100000"/>
-              </a:lnSpc>
-              <a:buNone/>
-            </a:pPr>
-            <a:r>
-              <a:rPr b="0" lang="en-US" sz="1800" spc="-1" strike="noStrike">
-                <a:latin typeface="Arial"/>
-              </a:rPr>
-              <a:t>PLC</a:t>
-            </a:r>
-            <a:endParaRPr b="0" lang="en-US" sz="1800" spc="-1" strike="noStrike">
-              <a:latin typeface="Arial"/>
-            </a:endParaRPr>
-          </a:p>
-        </p:txBody>
-      </p:sp>
-      <p:sp>
-        <p:nvSpPr>
-          <p:cNvPr id="213" name=""/>
+      </p:sp>
+      <p:sp>
+        <p:nvSpPr>
+          <p:cNvPr id="199" name=""/>
           <p:cNvSpPr/>
           <p:nvPr/>
         </p:nvSpPr>
         <p:spPr>
           <a:xfrm>
-            <a:off x="8001000" y="5257800"/>
-            <a:ext cx="1142640" cy="345960"/>
+            <a:off x="4800600" y="2168280"/>
+            <a:ext cx="1599840" cy="345960"/>
           </a:xfrm>
           <a:prstGeom prst="rect">
             <a:avLst/>
@@ -12068,151 +12304,7 @@
               <a:rPr b="0" lang="en-US" sz="1800" spc="-1" strike="noStrike">
                 <a:latin typeface="Arial"/>
               </a:rPr>
-              <a:t>Sensors</a:t>
-            </a:r>
-            <a:endParaRPr b="0" lang="en-US" sz="1800" spc="-1" strike="noStrike">
-              <a:latin typeface="Arial"/>
-            </a:endParaRPr>
-          </a:p>
-        </p:txBody>
-      </p:sp>
-      <p:sp>
-        <p:nvSpPr>
-          <p:cNvPr id="214" name=""/>
-          <p:cNvSpPr/>
-          <p:nvPr/>
-        </p:nvSpPr>
-        <p:spPr>
-          <a:xfrm>
-            <a:off x="9144000" y="5825880"/>
-            <a:ext cx="914040" cy="345960"/>
-          </a:xfrm>
-          <a:prstGeom prst="rect">
-            <a:avLst/>
-          </a:prstGeom>
-          <a:noFill/>
-          <a:ln w="0">
-            <a:noFill/>
-          </a:ln>
-        </p:spPr>
-        <p:style>
-          <a:lnRef idx="0"/>
-          <a:fillRef idx="0"/>
-          <a:effectRef idx="0"/>
-          <a:fontRef idx="minor"/>
-        </p:style>
-        <p:txBody>
-          <a:bodyPr lIns="90000" rIns="90000" tIns="45000" bIns="45000" anchor="t">
-            <a:noAutofit/>
-          </a:bodyPr>
-          <a:p>
-            <a:pPr>
-              <a:lnSpc>
-                <a:spcPct val="100000"/>
-              </a:lnSpc>
-              <a:buNone/>
-            </a:pPr>
-            <a:r>
-              <a:rPr b="0" lang="en-US" sz="1800" spc="-1" strike="noStrike">
-                <a:latin typeface="Arial"/>
-              </a:rPr>
-              <a:t>Device</a:t>
-            </a:r>
-            <a:endParaRPr b="0" lang="en-US" sz="1800" spc="-1" strike="noStrike">
-              <a:latin typeface="Arial"/>
-            </a:endParaRPr>
-          </a:p>
-        </p:txBody>
-      </p:sp>
-      <p:sp>
-        <p:nvSpPr>
-          <p:cNvPr id="215" name=""/>
-          <p:cNvSpPr/>
-          <p:nvPr/>
-        </p:nvSpPr>
-        <p:spPr>
-          <a:xfrm>
-            <a:off x="6172200" y="2971800"/>
-            <a:ext cx="1599840" cy="685440"/>
-          </a:xfrm>
-          <a:prstGeom prst="rect">
-            <a:avLst/>
-          </a:prstGeom>
-          <a:noFill/>
-          <a:ln w="0">
-            <a:noFill/>
-          </a:ln>
-        </p:spPr>
-        <p:style>
-          <a:lnRef idx="0"/>
-          <a:fillRef idx="0"/>
-          <a:effectRef idx="0"/>
-          <a:fontRef idx="minor"/>
-        </p:style>
-        <p:txBody>
-          <a:bodyPr lIns="90000" rIns="90000" tIns="45000" bIns="45000" anchor="t">
-            <a:noAutofit/>
-          </a:bodyPr>
-          <a:p>
-            <a:pPr>
-              <a:lnSpc>
-                <a:spcPct val="100000"/>
-              </a:lnSpc>
-              <a:buNone/>
-            </a:pPr>
-            <a:r>
-              <a:rPr b="0" lang="en-US" sz="1800" spc="-1" strike="noStrike">
-                <a:latin typeface="Arial"/>
-              </a:rPr>
-              <a:t>Equipment</a:t>
-            </a:r>
-            <a:endParaRPr b="0" lang="en-US" sz="1800" spc="-1" strike="noStrike">
-              <a:latin typeface="Arial"/>
-            </a:endParaRPr>
-          </a:p>
-        </p:txBody>
-      </p:sp>
-      <p:sp>
-        <p:nvSpPr>
-          <p:cNvPr id="216" name=""/>
-          <p:cNvSpPr/>
-          <p:nvPr/>
-        </p:nvSpPr>
-        <p:spPr>
-          <a:xfrm>
-            <a:off x="9601200" y="4800600"/>
-            <a:ext cx="1599840" cy="345960"/>
-          </a:xfrm>
-          <a:prstGeom prst="rect">
-            <a:avLst/>
-          </a:prstGeom>
-          <a:noFill/>
-          <a:ln w="0">
-            <a:noFill/>
-          </a:ln>
-        </p:spPr>
-        <p:style>
-          <a:lnRef idx="0"/>
-          <a:fillRef idx="0"/>
-          <a:effectRef idx="0"/>
-          <a:fontRef idx="minor"/>
-        </p:style>
-        <p:txBody>
-          <a:bodyPr lIns="90000" rIns="90000" tIns="45000" bIns="45000" anchor="t">
-            <a:noAutofit/>
-          </a:bodyPr>
-          <a:p>
-            <a:pPr>
-              <a:lnSpc>
-                <a:spcPct val="100000"/>
-              </a:lnSpc>
-              <a:buNone/>
-            </a:pPr>
-            <a:r>
-              <a:rPr b="0" lang="en-US" sz="1800" spc="-1" strike="noStrike">
-                <a:latin typeface="Arial"/>
-              </a:rPr>
-              <a:t>Valve</a:t>
+              <a:t>Reporting</a:t>
             </a:r>
             <a:endParaRPr b="0" lang="en-US" sz="1800" spc="-1" strike="noStrike">
               <a:latin typeface="Arial"/>
@@ -12252,7 +12344,7 @@
       </p:grpSpPr>
       <p:sp>
         <p:nvSpPr>
-          <p:cNvPr id="217" name="TextShape 9"/>
+          <p:cNvPr id="200" name="TextShape 8"/>
           <p:cNvSpPr/>
           <p:nvPr/>
         </p:nvSpPr>
@@ -12294,7 +12386,7 @@
                 <a:latin typeface="Verdana"/>
                 <a:ea typeface="DejaVu Sans"/>
               </a:rPr>
-              <a:t>Analysis of the tutorial use case</a:t>
+              <a:t>Analysis of the tutorial example</a:t>
             </a:r>
             <a:endParaRPr b="0" lang="en-US" sz="3200" spc="-1" strike="noStrike">
               <a:latin typeface="Arial"/>
@@ -12325,7 +12417,7 @@
       </p:sp>
       <p:sp>
         <p:nvSpPr>
-          <p:cNvPr id="218" name="CustomShape 9"/>
+          <p:cNvPr id="201" name="CustomShape 7"/>
           <p:cNvSpPr/>
           <p:nvPr/>
         </p:nvSpPr>
@@ -12377,7 +12469,7 @@
       </p:sp>
       <p:sp>
         <p:nvSpPr>
-          <p:cNvPr id="219" name="CustomShape 10"/>
+          <p:cNvPr id="202" name="CustomShape 8"/>
           <p:cNvSpPr/>
           <p:nvPr/>
         </p:nvSpPr>
@@ -12429,7 +12521,7 @@
       </p:sp>
       <p:sp>
         <p:nvSpPr>
-          <p:cNvPr id="220" name="Line 5"/>
+          <p:cNvPr id="203" name="Line 4"/>
           <p:cNvSpPr/>
           <p:nvPr/>
         </p:nvSpPr>
@@ -12463,7 +12555,7 @@
       </p:sp>
       <p:sp>
         <p:nvSpPr>
-          <p:cNvPr id="221" name="PlaceHolder 4"/>
+          <p:cNvPr id="204" name="PlaceHolder 3"/>
           <p:cNvSpPr/>
           <p:nvPr/>
         </p:nvSpPr>
@@ -12497,7 +12589,7 @@
               </a:lnSpc>
               <a:buNone/>
             </a:pPr>
-            <a:fld id="{2C90F25C-923A-4EE9-996E-D8FC4D45744B}" type="slidenum">
+            <a:fld id="{088CBEB6-F982-4D52-934C-F6A03BF1DA33}" type="slidenum">
               <a:rPr b="0" lang="en-US" sz="1000" spc="-1" strike="noStrike">
                 <a:solidFill>
                   <a:srgbClr val="ffffff"/>
@@ -12515,7 +12607,7 @@
       </p:sp>
       <p:sp>
         <p:nvSpPr>
-          <p:cNvPr id="222" name="Zástupný symbol pro datum 5"/>
+          <p:cNvPr id="205" name="Zástupný symbol pro datum 4"/>
           <p:cNvSpPr/>
           <p:nvPr/>
         </p:nvSpPr>
@@ -12565,15 +12657,107 @@
           </a:p>
         </p:txBody>
       </p:sp>
-      <p:sp>
-        <p:nvSpPr>
-          <p:cNvPr id="223" name=""/>
+      <p:pic>
+        <p:nvPicPr>
+          <p:cNvPr id="206" name="" descr=""/>
+          <p:cNvPicPr/>
+          <p:nvPr/>
+        </p:nvPicPr>
+        <p:blipFill>
+          <a:blip r:embed="rId1"/>
+          <a:stretch/>
+        </p:blipFill>
+        <p:spPr>
+          <a:xfrm>
+            <a:off x="457200" y="3200400"/>
+            <a:ext cx="5714640" cy="1267200"/>
+          </a:xfrm>
+          <a:prstGeom prst="rect">
+            <a:avLst/>
+          </a:prstGeom>
+          <a:ln w="0">
+            <a:noFill/>
+          </a:ln>
+        </p:spPr>
+      </p:pic>
+      <p:pic>
+        <p:nvPicPr>
+          <p:cNvPr id="207" name="" descr=""/>
+          <p:cNvPicPr/>
+          <p:nvPr/>
+        </p:nvPicPr>
+        <p:blipFill>
+          <a:blip r:embed="rId2"/>
+          <a:stretch/>
+        </p:blipFill>
+        <p:spPr>
+          <a:xfrm>
+            <a:off x="457200" y="1703880"/>
+            <a:ext cx="5714640" cy="1267560"/>
+          </a:xfrm>
+          <a:prstGeom prst="rect">
+            <a:avLst/>
+          </a:prstGeom>
+          <a:ln w="0">
+            <a:noFill/>
+          </a:ln>
+        </p:spPr>
+      </p:pic>
+      <p:pic>
+        <p:nvPicPr>
+          <p:cNvPr id="208" name="" descr=""/>
+          <p:cNvPicPr/>
+          <p:nvPr/>
+        </p:nvPicPr>
+        <p:blipFill>
+          <a:blip r:embed="rId3"/>
+          <a:stretch/>
+        </p:blipFill>
+        <p:spPr>
+          <a:xfrm>
+            <a:off x="457200" y="4572000"/>
+            <a:ext cx="3428640" cy="2116080"/>
+          </a:xfrm>
+          <a:prstGeom prst="rect">
+            <a:avLst/>
+          </a:prstGeom>
+          <a:ln w="0">
+            <a:noFill/>
+          </a:ln>
+        </p:spPr>
+      </p:pic>
+      <p:pic>
+        <p:nvPicPr>
+          <p:cNvPr id="209" name="" descr=""/>
+          <p:cNvPicPr/>
+          <p:nvPr/>
+        </p:nvPicPr>
+        <p:blipFill>
+          <a:blip r:embed="rId4"/>
+          <a:stretch/>
+        </p:blipFill>
+        <p:spPr>
+          <a:xfrm>
+            <a:off x="3954600" y="5059440"/>
+            <a:ext cx="2217240" cy="1112400"/>
+          </a:xfrm>
+          <a:prstGeom prst="rect">
+            <a:avLst/>
+          </a:prstGeom>
+          <a:ln w="0">
+            <a:noFill/>
+          </a:ln>
+        </p:spPr>
+      </p:pic>
+      <p:sp>
+        <p:nvSpPr>
+          <p:cNvPr id="210" name=""/>
           <p:cNvSpPr/>
           <p:nvPr/>
         </p:nvSpPr>
         <p:spPr>
           <a:xfrm>
-            <a:off x="3429000" y="1028520"/>
+            <a:off x="7315200" y="2514600"/>
             <a:ext cx="2514240" cy="2514240"/>
           </a:xfrm>
           <a:prstGeom prst="ellipse">
@@ -12621,95 +12805,27 @@
               <a:latin typeface="Arial"/>
             </a:endParaRPr>
           </a:p>
-          <a:p>
-            <a:pPr marL="216000" indent="-216000">
-              <a:lnSpc>
-                <a:spcPct val="100000"/>
-              </a:lnSpc>
-              <a:spcBef>
-                <a:spcPts val="145"/>
-              </a:spcBef>
-              <a:spcAft>
-                <a:spcPts val="145"/>
-              </a:spcAft>
-              <a:buClr>
-                <a:srgbClr val="000000"/>
-              </a:buClr>
-              <a:buSzPct val="45000"/>
-              <a:buFont typeface="Wingdings" charset="2"/>
-              <a:buChar char=""/>
-            </a:pPr>
-            <a:r>
-              <a:rPr b="0" lang="en-US" sz="1800" spc="-1" strike="noStrike">
-                <a:solidFill>
-                  <a:srgbClr val="000000"/>
-                </a:solidFill>
-                <a:latin typeface="Arial"/>
-                <a:ea typeface="Noto Sans CJK SC"/>
-              </a:rPr>
-              <a:t>Name</a:t>
-            </a:r>
-            <a:endParaRPr b="0" lang="en-US" sz="1800" spc="-1" strike="noStrike">
-              <a:latin typeface="Arial"/>
-            </a:endParaRPr>
-          </a:p>
-          <a:p>
-            <a:pPr marL="216000" indent="-216000">
-              <a:lnSpc>
-                <a:spcPct val="100000"/>
-              </a:lnSpc>
-              <a:spcBef>
-                <a:spcPts val="145"/>
-              </a:spcBef>
-              <a:spcAft>
-                <a:spcPts val="145"/>
-              </a:spcAft>
-              <a:buClr>
-                <a:srgbClr val="000000"/>
-              </a:buClr>
-              <a:buSzPct val="45000"/>
-              <a:buFont typeface="Wingdings" charset="2"/>
-              <a:buChar char=""/>
-            </a:pPr>
-            <a:r>
-              <a:rPr b="0" lang="en-US" sz="1800" spc="-1" strike="noStrike">
-                <a:solidFill>
-                  <a:srgbClr val="000000"/>
-                </a:solidFill>
-                <a:latin typeface="Arial"/>
-                <a:ea typeface="Noto Sans CJK SC"/>
-              </a:rPr>
-              <a:t>Code</a:t>
-            </a:r>
-            <a:endParaRPr b="0" lang="en-US" sz="1800" spc="-1" strike="noStrike">
-              <a:latin typeface="Arial"/>
-            </a:endParaRPr>
-          </a:p>
-        </p:txBody>
-      </p:sp>
-      <p:sp>
-        <p:nvSpPr>
-          <p:cNvPr id="224" name=""/>
+        </p:txBody>
+      </p:sp>
+      <p:sp>
+        <p:nvSpPr>
+          <p:cNvPr id="211" name=""/>
           <p:cNvSpPr/>
           <p:nvPr/>
         </p:nvSpPr>
         <p:spPr>
           <a:xfrm>
-            <a:off x="7734600" y="4186800"/>
-            <a:ext cx="2514240" cy="2514240"/>
-          </a:xfrm>
-          <a:prstGeom prst="ellipse">
-            <a:avLst/>
-          </a:prstGeom>
-          <a:solidFill>
-            <a:srgbClr val="fff9c4"/>
-          </a:solidFill>
+            <a:off x="6172200" y="2286000"/>
+            <a:ext cx="1371600" cy="685800"/>
+          </a:xfrm>
+          <a:prstGeom prst="line">
+            <a:avLst/>
+          </a:prstGeom>
           <a:ln w="0">
             <a:solidFill>
-              <a:srgbClr val="3465a4">
-                <a:alpha val="70000"/>
-              </a:srgbClr>
+              <a:srgbClr val="3465a4"/>
             </a:solidFill>
+            <a:tailEnd len="med" type="triangle" w="med"/>
           </a:ln>
         </p:spPr>
         <p:style>
@@ -12718,88 +12834,26 @@
           <a:effectRef idx="0"/>
           <a:fontRef idx="minor"/>
         </p:style>
-        <p:txBody>
-          <a:bodyPr lIns="90000" rIns="90000" tIns="45000" bIns="45000" anchor="ctr">
-            <a:noAutofit/>
-          </a:bodyPr>
-          <a:p>
-            <a:pPr algn="ctr">
-              <a:lnSpc>
-                <a:spcPct val="100000"/>
-              </a:lnSpc>
-              <a:buNone/>
-            </a:pPr>
-            <a:r>
-              <a:rPr b="0" lang="en-US" sz="2600" spc="-1" strike="noStrike">
-                <a:solidFill>
-                  <a:srgbClr val="000000"/>
-                </a:solidFill>
-                <a:latin typeface="Arial"/>
-                <a:ea typeface="DejaVu Sans"/>
-              </a:rPr>
-              <a:t>User</a:t>
-            </a:r>
-            <a:endParaRPr b="0" lang="en-US" sz="2600" spc="-1" strike="noStrike">
-              <a:latin typeface="Arial"/>
-            </a:endParaRPr>
-          </a:p>
-          <a:p>
-            <a:pPr marL="216000" indent="-216000">
-              <a:lnSpc>
-                <a:spcPct val="100000"/>
-              </a:lnSpc>
-              <a:spcBef>
-                <a:spcPts val="145"/>
-              </a:spcBef>
-              <a:spcAft>
-                <a:spcPts val="145"/>
-              </a:spcAft>
-              <a:buClr>
-                <a:srgbClr val="000000"/>
-              </a:buClr>
-              <a:buSzPct val="45000"/>
-              <a:buFont typeface="Wingdings" charset="2"/>
-              <a:buChar char=""/>
-            </a:pPr>
-            <a:r>
-              <a:rPr b="0" lang="en-US" sz="1800" spc="-1" strike="noStrike">
-                <a:solidFill>
-                  <a:srgbClr val="000000"/>
-                </a:solidFill>
-                <a:latin typeface="Arial"/>
-                <a:ea typeface="Noto Sans CJK SC"/>
-              </a:rPr>
-              <a:t>Username</a:t>
-            </a:r>
-            <a:endParaRPr b="0" lang="en-US" sz="1800" spc="-1" strike="noStrike">
-              <a:latin typeface="Arial"/>
-            </a:endParaRPr>
-          </a:p>
-        </p:txBody>
-      </p:sp>
-      <p:sp>
-        <p:nvSpPr>
-          <p:cNvPr id="225" name=""/>
+      </p:sp>
+      <p:sp>
+        <p:nvSpPr>
+          <p:cNvPr id="212" name=""/>
           <p:cNvSpPr/>
           <p:nvPr/>
         </p:nvSpPr>
         <p:spPr>
           <a:xfrm>
-            <a:off x="228600" y="2286000"/>
-            <a:ext cx="2286000" cy="2286000"/>
-          </a:xfrm>
-          <a:prstGeom prst="ellipse">
-            <a:avLst/>
-          </a:prstGeom>
-          <a:solidFill>
-            <a:srgbClr val="ffccbc"/>
-          </a:solidFill>
+            <a:off x="6172200" y="3886200"/>
+            <a:ext cx="1143000" cy="360"/>
+          </a:xfrm>
+          <a:prstGeom prst="line">
+            <a:avLst/>
+          </a:prstGeom>
           <a:ln w="0">
             <a:solidFill>
-              <a:srgbClr val="3465a4">
-                <a:alpha val="70000"/>
-              </a:srgbClr>
+              <a:srgbClr val="3465a4"/>
             </a:solidFill>
+            <a:tailEnd len="med" type="triangle" w="med"/>
           </a:ln>
         </p:spPr>
         <p:style>
@@ -12808,114 +12862,21 @@
           <a:effectRef idx="0"/>
           <a:fontRef idx="minor"/>
         </p:style>
-        <p:txBody>
-          <a:bodyPr lIns="90000" rIns="90000" tIns="45000" bIns="45000" anchor="ctr">
-            <a:noAutofit/>
-          </a:bodyPr>
-          <a:p>
-            <a:pPr algn="ctr">
-              <a:lnSpc>
-                <a:spcPct val="100000"/>
-              </a:lnSpc>
-              <a:buNone/>
-            </a:pPr>
-            <a:r>
-              <a:rPr b="0" lang="en-US" sz="2600" spc="-1" strike="noStrike">
-                <a:solidFill>
-                  <a:srgbClr val="000000"/>
-                </a:solidFill>
-                <a:latin typeface="Arial"/>
-                <a:ea typeface="DejaVu Sans"/>
-              </a:rPr>
-              <a:t>Config</a:t>
-            </a:r>
-            <a:endParaRPr b="0" lang="en-US" sz="2600" spc="-1" strike="noStrike">
-              <a:latin typeface="Arial"/>
-            </a:endParaRPr>
-          </a:p>
-          <a:p>
-            <a:pPr marL="216000" indent="-216000">
-              <a:lnSpc>
-                <a:spcPct val="100000"/>
-              </a:lnSpc>
-              <a:spcBef>
-                <a:spcPts val="145"/>
-              </a:spcBef>
-              <a:spcAft>
-                <a:spcPts val="145"/>
-              </a:spcAft>
-              <a:buClr>
-                <a:srgbClr val="000000"/>
-              </a:buClr>
-              <a:buSzPct val="45000"/>
-              <a:buFont typeface="Wingdings" charset="2"/>
-              <a:buChar char=""/>
-            </a:pPr>
-            <a:r>
-              <a:rPr b="0" lang="en-US" sz="1800" spc="-1" strike="noStrike">
-                <a:solidFill>
-                  <a:srgbClr val="000000"/>
-                </a:solidFill>
-                <a:latin typeface="Arial"/>
-                <a:ea typeface="Noto Sans CJK SC"/>
-              </a:rPr>
-              <a:t>Key</a:t>
-            </a:r>
-            <a:endParaRPr b="0" lang="en-US" sz="1800" spc="-1" strike="noStrike">
-              <a:latin typeface="Arial"/>
-            </a:endParaRPr>
-          </a:p>
-          <a:p>
-            <a:pPr marL="216000" indent="-216000">
-              <a:lnSpc>
-                <a:spcPct val="100000"/>
-              </a:lnSpc>
-              <a:spcBef>
-                <a:spcPts val="145"/>
-              </a:spcBef>
-              <a:spcAft>
-                <a:spcPts val="145"/>
-              </a:spcAft>
-              <a:buClr>
-                <a:srgbClr val="000000"/>
-              </a:buClr>
-              <a:buSzPct val="45000"/>
-              <a:buFont typeface="Wingdings" charset="2"/>
-              <a:buChar char=""/>
-            </a:pPr>
-            <a:r>
-              <a:rPr b="0" lang="en-US" sz="1800" spc="-1" strike="noStrike">
-                <a:solidFill>
-                  <a:srgbClr val="000000"/>
-                </a:solidFill>
-                <a:latin typeface="Arial"/>
-                <a:ea typeface="Noto Sans CJK SC"/>
-              </a:rPr>
-              <a:t>Value</a:t>
-            </a:r>
-            <a:endParaRPr b="0" lang="en-US" sz="1800" spc="-1" strike="noStrike">
-              <a:latin typeface="Arial"/>
-            </a:endParaRPr>
-          </a:p>
-        </p:txBody>
-      </p:sp>
-      <p:sp>
-        <p:nvSpPr>
-          <p:cNvPr id="226" name=""/>
+      </p:sp>
+      <p:sp>
+        <p:nvSpPr>
+          <p:cNvPr id="213" name=""/>
           <p:cNvSpPr/>
           <p:nvPr/>
         </p:nvSpPr>
         <p:spPr>
-          <a:xfrm>
-            <a:off x="5943600" y="2285640"/>
-            <a:ext cx="360" cy="360"/>
-          </a:xfrm>
-          <a:prstGeom prst="curvedConnector3">
-            <a:avLst>
-              <a:gd name="adj1" fmla="val 50000"/>
-            </a:avLst>
-          </a:prstGeom>
-          <a:noFill/>
+          <a:xfrm flipV="1">
+            <a:off x="6172200" y="4572000"/>
+            <a:ext cx="1371600" cy="1143000"/>
+          </a:xfrm>
+          <a:prstGeom prst="line">
+            <a:avLst/>
+          </a:prstGeom>
           <a:ln w="0">
             <a:solidFill>
               <a:srgbClr val="3465a4"/>
@@ -12932,27 +12893,21 @@
       </p:sp>
       <p:sp>
         <p:nvSpPr>
-          <p:cNvPr id="227" name=""/>
+          <p:cNvPr id="214" name=""/>
           <p:cNvSpPr/>
           <p:nvPr/>
         </p:nvSpPr>
         <p:spPr>
           <a:xfrm>
-            <a:off x="5575680" y="3175200"/>
-            <a:ext cx="2882520" cy="1379520"/>
-          </a:xfrm>
-          <a:prstGeom prst="curvedConnector3">
-            <a:avLst>
-              <a:gd name="adj1" fmla="val 50000"/>
-            </a:avLst>
-          </a:prstGeom>
-          <a:noFill/>
-          <a:ln w="38160">
-            <a:solidFill>
-              <a:srgbClr val="9e9e9e"/>
-            </a:solidFill>
-            <a:round/>
-            <a:tailEnd len="med" type="triangle" w="med"/>
+            <a:off x="6629400" y="1600200"/>
+            <a:ext cx="914040" cy="345960"/>
+          </a:xfrm>
+          <a:prstGeom prst="rect">
+            <a:avLst/>
+          </a:prstGeom>
+          <a:noFill/>
+          <a:ln w="0">
+            <a:noFill/>
           </a:ln>
         </p:spPr>
         <p:style>
@@ -12962,11 +12917,11 @@
           <a:fontRef idx="minor"/>
         </p:style>
         <p:txBody>
-          <a:bodyPr lIns="109080" rIns="109080" tIns="64080" bIns="64080" anchor="ctr">
+          <a:bodyPr lIns="90000" rIns="90000" tIns="45000" bIns="45000" anchor="t">
             <a:noAutofit/>
           </a:bodyPr>
           <a:p>
-            <a:pPr algn="ctr">
+            <a:pPr>
               <a:lnSpc>
                 <a:spcPct val="100000"/>
               </a:lnSpc>
@@ -12976,7 +12931,7 @@
               <a:rPr b="0" lang="en-US" sz="1800" spc="-1" strike="noStrike">
                 <a:latin typeface="Arial"/>
               </a:rPr>
-              <a:t>                                              </a:t>
+              <a:t>Pump</a:t>
             </a:r>
             <a:endParaRPr b="0" lang="en-US" sz="1800" spc="-1" strike="noStrike">
               <a:latin typeface="Arial"/>
@@ -12986,27 +12941,21 @@
       </p:sp>
       <p:sp>
         <p:nvSpPr>
-          <p:cNvPr id="228" name=""/>
+          <p:cNvPr id="215" name=""/>
           <p:cNvSpPr/>
           <p:nvPr/>
         </p:nvSpPr>
         <p:spPr>
           <a:xfrm>
-            <a:off x="2971800" y="4343400"/>
-            <a:ext cx="2514240" cy="2514240"/>
-          </a:xfrm>
-          <a:prstGeom prst="ellipse">
-            <a:avLst/>
-          </a:prstGeom>
-          <a:solidFill>
-            <a:srgbClr val="dce775"/>
-          </a:solidFill>
-          <a:ln w="0">
-            <a:solidFill>
-              <a:srgbClr val="3465a4">
-                <a:alpha val="70000"/>
-              </a:srgbClr>
-            </a:solidFill>
+            <a:off x="8458200" y="1600200"/>
+            <a:ext cx="1371240" cy="345960"/>
+          </a:xfrm>
+          <a:prstGeom prst="rect">
+            <a:avLst/>
+          </a:prstGeom>
+          <a:noFill/>
+          <a:ln w="0">
+            <a:noFill/>
           </a:ln>
         </p:spPr>
         <p:style>
@@ -13016,151 +12965,45 @@
           <a:fontRef idx="minor"/>
         </p:style>
         <p:txBody>
-          <a:bodyPr lIns="90000" rIns="90000" tIns="45000" bIns="45000" anchor="ctr">
+          <a:bodyPr lIns="90000" rIns="90000" tIns="45000" bIns="45000" anchor="t">
             <a:noAutofit/>
           </a:bodyPr>
           <a:p>
-            <a:pPr algn="ctr">
+            <a:pPr>
               <a:lnSpc>
                 <a:spcPct val="100000"/>
               </a:lnSpc>
               <a:buNone/>
             </a:pPr>
             <a:r>
-              <a:rPr b="0" lang="en-US" sz="2600" spc="-1" strike="noStrike">
-                <a:solidFill>
-                  <a:srgbClr val="000000"/>
-                </a:solidFill>
+              <a:rPr b="0" lang="en-US" sz="1800" spc="-1" strike="noStrike">
                 <a:latin typeface="Arial"/>
-                <a:ea typeface="DejaVu Sans"/>
-              </a:rPr>
-              <a:t>TimeValue</a:t>
-            </a:r>
-            <a:endParaRPr b="0" lang="en-US" sz="2600" spc="-1" strike="noStrike">
-              <a:latin typeface="Arial"/>
-            </a:endParaRPr>
-          </a:p>
-          <a:p>
-            <a:pPr marL="216000" indent="-216000">
-              <a:lnSpc>
-                <a:spcPct val="100000"/>
-              </a:lnSpc>
-              <a:spcBef>
-                <a:spcPts val="145"/>
-              </a:spcBef>
-              <a:spcAft>
-                <a:spcPts val="145"/>
-              </a:spcAft>
-              <a:buClr>
-                <a:srgbClr val="000000"/>
-              </a:buClr>
-              <a:buSzPct val="45000"/>
-              <a:buFont typeface="Wingdings" charset="2"/>
-              <a:buChar char=""/>
-            </a:pPr>
-            <a:r>
-              <a:rPr b="0" lang="en-US" sz="1800" spc="-1" strike="noStrike">
-                <a:solidFill>
-                  <a:srgbClr val="000000"/>
-                </a:solidFill>
-                <a:latin typeface="Arial"/>
-                <a:ea typeface="Noto Sans CJK SC"/>
-              </a:rPr>
-              <a:t>Time</a:t>
+              </a:rPr>
+              <a:t>Oscillator</a:t>
             </a:r>
             <a:endParaRPr b="0" lang="en-US" sz="1800" spc="-1" strike="noStrike">
               <a:latin typeface="Arial"/>
             </a:endParaRPr>
           </a:p>
-          <a:p>
-            <a:pPr marL="216000" indent="-216000">
-              <a:lnSpc>
-                <a:spcPct val="100000"/>
-              </a:lnSpc>
-              <a:spcBef>
-                <a:spcPts val="145"/>
-              </a:spcBef>
-              <a:spcAft>
-                <a:spcPts val="145"/>
-              </a:spcAft>
-              <a:buClr>
-                <a:srgbClr val="000000"/>
-              </a:buClr>
-              <a:buSzPct val="45000"/>
-              <a:buFont typeface="Wingdings" charset="2"/>
-              <a:buChar char=""/>
-            </a:pPr>
-            <a:r>
-              <a:rPr b="0" lang="en-US" sz="1800" spc="-1" strike="noStrike">
-                <a:solidFill>
-                  <a:srgbClr val="000000"/>
-                </a:solidFill>
-                <a:latin typeface="Arial"/>
-                <a:ea typeface="Noto Sans CJK SC"/>
-              </a:rPr>
-              <a:t>Value</a:t>
-            </a:r>
-            <a:endParaRPr b="0" lang="en-US" sz="1800" spc="-1" strike="noStrike">
-              <a:latin typeface="Arial"/>
-            </a:endParaRPr>
-          </a:p>
-          <a:p>
-            <a:pPr marL="216000" indent="-216000">
-              <a:lnSpc>
-                <a:spcPct val="100000"/>
-              </a:lnSpc>
-              <a:spcBef>
-                <a:spcPts val="145"/>
-              </a:spcBef>
-              <a:spcAft>
-                <a:spcPts val="145"/>
-              </a:spcAft>
-              <a:buClr>
-                <a:srgbClr val="000000"/>
-              </a:buClr>
-              <a:buSzPct val="45000"/>
-              <a:buFont typeface="Wingdings" charset="2"/>
-              <a:buChar char=""/>
-            </a:pPr>
-            <a:r>
-              <a:rPr b="0" lang="en-US" sz="1800" spc="-1" strike="noStrike">
-                <a:solidFill>
-                  <a:srgbClr val="000000"/>
-                </a:solidFill>
-                <a:latin typeface="Arial"/>
-                <a:ea typeface="Noto Sans CJK SC"/>
-              </a:rPr>
-              <a:t>Unit</a:t>
-            </a:r>
-            <a:endParaRPr b="0" lang="en-US" sz="1800" spc="-1" strike="noStrike">
-              <a:latin typeface="Arial"/>
-            </a:endParaRPr>
-          </a:p>
-        </p:txBody>
-      </p:sp>
-      <p:sp>
-        <p:nvSpPr>
-          <p:cNvPr id="229" name=""/>
+        </p:txBody>
+      </p:sp>
+      <p:sp>
+        <p:nvSpPr>
+          <p:cNvPr id="216" name=""/>
           <p:cNvSpPr/>
           <p:nvPr/>
         </p:nvSpPr>
         <p:spPr>
-          <a:xfrm flipH="1">
-            <a:off x="4571640" y="3542760"/>
-            <a:ext cx="114120" cy="1029240"/>
-          </a:xfrm>
-          <a:prstGeom prst="curvedConnector3">
-            <a:avLst>
-              <a:gd name="adj1" fmla="val 50000"/>
-            </a:avLst>
-          </a:prstGeom>
-          <a:noFill/>
-          <a:ln w="38160">
-            <a:solidFill>
-              <a:srgbClr val="9e9e9e"/>
-            </a:solidFill>
-            <a:round/>
-            <a:tailEnd len="med" type="triangle" w="med"/>
+          <a:xfrm>
+            <a:off x="6858000" y="2168280"/>
+            <a:ext cx="914040" cy="345960"/>
+          </a:xfrm>
+          <a:prstGeom prst="rect">
+            <a:avLst/>
+          </a:prstGeom>
+          <a:noFill/>
+          <a:ln w="0">
+            <a:noFill/>
           </a:ln>
         </p:spPr>
         <p:style>
@@ -13170,11 +13013,11 @@
           <a:fontRef idx="minor"/>
         </p:style>
         <p:txBody>
-          <a:bodyPr lIns="109080" rIns="109080" tIns="64080" bIns="64080" anchor="ctr">
+          <a:bodyPr lIns="90000" rIns="90000" tIns="45000" bIns="45000" anchor="t">
             <a:noAutofit/>
           </a:bodyPr>
           <a:p>
-            <a:pPr algn="ctr">
+            <a:pPr>
               <a:lnSpc>
                 <a:spcPct val="100000"/>
               </a:lnSpc>
@@ -13184,48 +13027,31 @@
               <a:rPr b="0" lang="en-US" sz="1800" spc="-1" strike="noStrike">
                 <a:latin typeface="Arial"/>
               </a:rPr>
-              <a:t>              </a:t>
+              <a:t>Mirror</a:t>
             </a:r>
             <a:endParaRPr b="0" lang="en-US" sz="1800" spc="-1" strike="noStrike">
               <a:latin typeface="Arial"/>
             </a:endParaRPr>
           </a:p>
-          <a:p>
-            <a:pPr algn="ctr">
-              <a:lnSpc>
-                <a:spcPct val="100000"/>
-              </a:lnSpc>
-              <a:buNone/>
-            </a:pPr>
-            <a:endParaRPr b="0" lang="en-US" sz="1800" spc="-1" strike="noStrike">
-              <a:latin typeface="Arial"/>
-            </a:endParaRPr>
-          </a:p>
-        </p:txBody>
-      </p:sp>
-      <p:sp>
-        <p:nvSpPr>
-          <p:cNvPr id="230" name=""/>
+        </p:txBody>
+      </p:sp>
+      <p:sp>
+        <p:nvSpPr>
+          <p:cNvPr id="217" name=""/>
           <p:cNvSpPr/>
           <p:nvPr/>
         </p:nvSpPr>
         <p:spPr>
-          <a:xfrm flipH="1">
-            <a:off x="2286000" y="3175200"/>
-            <a:ext cx="1510560" cy="482400"/>
-          </a:xfrm>
-          <a:prstGeom prst="curvedConnector3">
-            <a:avLst>
-              <a:gd name="adj1" fmla="val 50000"/>
-            </a:avLst>
-          </a:prstGeom>
-          <a:noFill/>
-          <a:ln w="38160">
-            <a:solidFill>
-              <a:srgbClr val="9e9e9e"/>
-            </a:solidFill>
-            <a:round/>
-            <a:tailEnd len="med" type="triangle" w="med"/>
+          <a:xfrm>
+            <a:off x="9144000" y="2168280"/>
+            <a:ext cx="1599840" cy="345960"/>
+          </a:xfrm>
+          <a:prstGeom prst="rect">
+            <a:avLst/>
+          </a:prstGeom>
+          <a:noFill/>
+          <a:ln w="0">
+            <a:noFill/>
           </a:ln>
         </p:spPr>
         <p:style>
@@ -13235,11 +13061,11 @@
           <a:fontRef idx="minor"/>
         </p:style>
         <p:txBody>
-          <a:bodyPr lIns="109080" rIns="109080" tIns="64080" bIns="64080" anchor="ctr">
+          <a:bodyPr lIns="90000" rIns="90000" tIns="45000" bIns="45000" anchor="t">
             <a:noAutofit/>
           </a:bodyPr>
           <a:p>
-            <a:pPr algn="ctr">
+            <a:pPr>
               <a:lnSpc>
                 <a:spcPct val="100000"/>
               </a:lnSpc>
@@ -13249,13 +13075,7 @@
               <a:rPr b="0" lang="en-US" sz="1800" spc="-1" strike="noStrike">
                 <a:latin typeface="Arial"/>
               </a:rPr>
-              <a:t>    </a:t>
-            </a:r>
-            <a:r>
-              <a:rPr b="0" lang="en-US" sz="1800" spc="-1" strike="noStrike">
-                <a:latin typeface="Arial"/>
-              </a:rPr>
-              <a:t>HAS</a:t>
+              <a:t>Spectrometer</a:t>
             </a:r>
             <a:endParaRPr b="0" lang="en-US" sz="1800" spc="-1" strike="noStrike">
               <a:latin typeface="Arial"/>
@@ -13265,124 +13085,35 @@
       </p:sp>
       <p:sp>
         <p:nvSpPr>
-          <p:cNvPr id="231" name=""/>
-          <p:cNvSpPr txBox="1"/>
+          <p:cNvPr id="218" name=""/>
+          <p:cNvSpPr/>
           <p:nvPr/>
         </p:nvSpPr>
         <p:spPr>
           <a:xfrm>
-            <a:off x="3886200" y="3886200"/>
-            <a:ext cx="1371600" cy="346320"/>
-          </a:xfrm>
-          <a:prstGeom prst="rect">
-            <a:avLst/>
-          </a:prstGeom>
-          <a:noFill/>
-          <a:ln w="0">
-            <a:noFill/>
-          </a:ln>
-        </p:spPr>
+            <a:off x="8001000" y="2057400"/>
+            <a:ext cx="1142640" cy="345960"/>
+          </a:xfrm>
+          <a:prstGeom prst="rect">
+            <a:avLst/>
+          </a:prstGeom>
+          <a:noFill/>
+          <a:ln w="0">
+            <a:noFill/>
+          </a:ln>
+        </p:spPr>
+        <p:style>
+          <a:lnRef idx="0"/>
+          <a:fillRef idx="0"/>
+          <a:effectRef idx="0"/>
+          <a:fontRef idx="minor"/>
+        </p:style>
         <p:txBody>
           <a:bodyPr lIns="90000" rIns="90000" tIns="45000" bIns="45000" anchor="t">
             <a:noAutofit/>
           </a:bodyPr>
           <a:p>
-            <a:r>
-              <a:rPr b="0" lang="en-US" sz="1800" spc="-1" strike="noStrike">
-                <a:latin typeface="Arial"/>
-              </a:rPr>
-              <a:t>LOG</a:t>
-            </a:r>
-            <a:endParaRPr b="0" lang="en-US" sz="1800" spc="-1" strike="noStrike">
-              <a:latin typeface="Arial"/>
-            </a:endParaRPr>
-          </a:p>
-        </p:txBody>
-      </p:sp>
-      <p:cxnSp>
-        <p:nvCxnSpPr>
-          <p:cNvPr id="232" name=""/>
-          <p:cNvCxnSpPr/>
-          <p:nvPr/>
-        </p:nvCxnSpPr>
-        <p:spPr>
-          <a:xfrm>
-            <a:off x="0" y="0"/>
-            <a:ext cx="360" cy="360"/>
-          </a:xfrm>
-          <a:prstGeom prst="line">
-            <a:avLst/>
-          </a:prstGeom>
-          <a:ln w="29160">
-            <a:solidFill>
-              <a:srgbClr val="9e9e9e"/>
-            </a:solidFill>
-            <a:round/>
-            <a:tailEnd len="med" type="triangle" w="med"/>
-          </a:ln>
-        </p:spPr>
-      </p:cxnSp>
-      <p:sp>
-        <p:nvSpPr>
-          <p:cNvPr id="233" name=""/>
-          <p:cNvSpPr txBox="1"/>
-          <p:nvPr/>
-        </p:nvSpPr>
-        <p:spPr>
-          <a:xfrm>
-            <a:off x="1143000" y="1371600"/>
-            <a:ext cx="2286000" cy="602280"/>
-          </a:xfrm>
-          <a:prstGeom prst="rect">
-            <a:avLst/>
-          </a:prstGeom>
-          <a:noFill/>
-          <a:ln w="0">
-            <a:noFill/>
-          </a:ln>
-        </p:spPr>
-        <p:txBody>
-          <a:bodyPr lIns="90000" rIns="90000" tIns="45000" bIns="45000" anchor="t">
-            <a:noAutofit/>
-          </a:bodyPr>
-          <a:p>
-            <a:r>
-              <a:rPr b="0" lang="en-US" sz="1800" spc="-1" strike="noStrike">
-                <a:latin typeface="Arial"/>
-              </a:rPr>
-              <a:t>HAS_SUBSYSTEM</a:t>
-            </a:r>
-            <a:endParaRPr b="0" lang="en-US" sz="1800" spc="-1" strike="noStrike">
-              <a:latin typeface="Arial"/>
-            </a:endParaRPr>
-          </a:p>
-        </p:txBody>
-      </p:sp>
-      <p:sp>
-        <p:nvSpPr>
-          <p:cNvPr id="234" name=""/>
-          <p:cNvSpPr txBox="1"/>
-          <p:nvPr/>
-        </p:nvSpPr>
-        <p:spPr>
-          <a:xfrm>
-            <a:off x="6858000" y="3311280"/>
-            <a:ext cx="2642040" cy="346320"/>
-          </a:xfrm>
-          <a:prstGeom prst="rect">
-            <a:avLst/>
-          </a:prstGeom>
-          <a:noFill/>
-          <a:ln w="0">
-            <a:noFill/>
-          </a:ln>
-        </p:spPr>
-        <p:txBody>
-          <a:bodyPr lIns="90000" rIns="90000" tIns="45000" bIns="45000" anchor="t">
-            <a:noAutofit/>
-          </a:bodyPr>
-          <a:p>
-            <a:pPr algn="ctr">
+            <a:pPr>
               <a:lnSpc>
                 <a:spcPct val="100000"/>
               </a:lnSpc>
@@ -13392,7 +13123,295 @@
               <a:rPr b="0" lang="en-US" sz="1800" spc="-1" strike="noStrike">
                 <a:latin typeface="Arial"/>
               </a:rPr>
-              <a:t>WAS_MAINTAINED_BY</a:t>
+              <a:t>Crystal</a:t>
+            </a:r>
+            <a:endParaRPr b="0" lang="en-US" sz="1800" spc="-1" strike="noStrike">
+              <a:latin typeface="Arial"/>
+            </a:endParaRPr>
+          </a:p>
+        </p:txBody>
+      </p:sp>
+      <p:sp>
+        <p:nvSpPr>
+          <p:cNvPr id="219" name=""/>
+          <p:cNvSpPr/>
+          <p:nvPr/>
+        </p:nvSpPr>
+        <p:spPr>
+          <a:xfrm>
+            <a:off x="6172200" y="4572000"/>
+            <a:ext cx="914040" cy="345960"/>
+          </a:xfrm>
+          <a:prstGeom prst="rect">
+            <a:avLst/>
+          </a:prstGeom>
+          <a:noFill/>
+          <a:ln w="0">
+            <a:noFill/>
+          </a:ln>
+        </p:spPr>
+        <p:style>
+          <a:lnRef idx="0"/>
+          <a:fillRef idx="0"/>
+          <a:effectRef idx="0"/>
+          <a:fontRef idx="minor"/>
+        </p:style>
+        <p:txBody>
+          <a:bodyPr lIns="90000" rIns="90000" tIns="45000" bIns="45000" anchor="t">
+            <a:noAutofit/>
+          </a:bodyPr>
+          <a:p>
+            <a:pPr>
+              <a:lnSpc>
+                <a:spcPct val="100000"/>
+              </a:lnSpc>
+              <a:buNone/>
+            </a:pPr>
+            <a:r>
+              <a:rPr b="0" lang="en-US" sz="1800" spc="-1" strike="noStrike">
+                <a:latin typeface="Arial"/>
+              </a:rPr>
+              <a:t>Switch</a:t>
+            </a:r>
+            <a:endParaRPr b="0" lang="en-US" sz="1800" spc="-1" strike="noStrike">
+              <a:latin typeface="Arial"/>
+            </a:endParaRPr>
+          </a:p>
+        </p:txBody>
+      </p:sp>
+      <p:sp>
+        <p:nvSpPr>
+          <p:cNvPr id="220" name=""/>
+          <p:cNvSpPr/>
+          <p:nvPr/>
+        </p:nvSpPr>
+        <p:spPr>
+          <a:xfrm>
+            <a:off x="6858000" y="5597280"/>
+            <a:ext cx="914040" cy="345960"/>
+          </a:xfrm>
+          <a:prstGeom prst="rect">
+            <a:avLst/>
+          </a:prstGeom>
+          <a:noFill/>
+          <a:ln w="0">
+            <a:noFill/>
+          </a:ln>
+        </p:spPr>
+        <p:style>
+          <a:lnRef idx="0"/>
+          <a:fillRef idx="0"/>
+          <a:effectRef idx="0"/>
+          <a:fontRef idx="minor"/>
+        </p:style>
+        <p:txBody>
+          <a:bodyPr lIns="90000" rIns="90000" tIns="45000" bIns="45000" anchor="t">
+            <a:noAutofit/>
+          </a:bodyPr>
+          <a:p>
+            <a:pPr>
+              <a:lnSpc>
+                <a:spcPct val="100000"/>
+              </a:lnSpc>
+              <a:buNone/>
+            </a:pPr>
+            <a:r>
+              <a:rPr b="0" lang="en-US" sz="1800" spc="-1" strike="noStrike">
+                <a:latin typeface="Arial"/>
+              </a:rPr>
+              <a:t>PLC</a:t>
+            </a:r>
+            <a:endParaRPr b="0" lang="en-US" sz="1800" spc="-1" strike="noStrike">
+              <a:latin typeface="Arial"/>
+            </a:endParaRPr>
+          </a:p>
+        </p:txBody>
+      </p:sp>
+      <p:sp>
+        <p:nvSpPr>
+          <p:cNvPr id="221" name=""/>
+          <p:cNvSpPr/>
+          <p:nvPr/>
+        </p:nvSpPr>
+        <p:spPr>
+          <a:xfrm>
+            <a:off x="8001000" y="5257800"/>
+            <a:ext cx="1142640" cy="345960"/>
+          </a:xfrm>
+          <a:prstGeom prst="rect">
+            <a:avLst/>
+          </a:prstGeom>
+          <a:noFill/>
+          <a:ln w="0">
+            <a:noFill/>
+          </a:ln>
+        </p:spPr>
+        <p:style>
+          <a:lnRef idx="0"/>
+          <a:fillRef idx="0"/>
+          <a:effectRef idx="0"/>
+          <a:fontRef idx="minor"/>
+        </p:style>
+        <p:txBody>
+          <a:bodyPr lIns="90000" rIns="90000" tIns="45000" bIns="45000" anchor="t">
+            <a:noAutofit/>
+          </a:bodyPr>
+          <a:p>
+            <a:pPr>
+              <a:lnSpc>
+                <a:spcPct val="100000"/>
+              </a:lnSpc>
+              <a:buNone/>
+            </a:pPr>
+            <a:r>
+              <a:rPr b="0" lang="en-US" sz="1800" spc="-1" strike="noStrike">
+                <a:latin typeface="Arial"/>
+              </a:rPr>
+              <a:t>Sensors</a:t>
+            </a:r>
+            <a:endParaRPr b="0" lang="en-US" sz="1800" spc="-1" strike="noStrike">
+              <a:latin typeface="Arial"/>
+            </a:endParaRPr>
+          </a:p>
+        </p:txBody>
+      </p:sp>
+      <p:sp>
+        <p:nvSpPr>
+          <p:cNvPr id="222" name=""/>
+          <p:cNvSpPr/>
+          <p:nvPr/>
+        </p:nvSpPr>
+        <p:spPr>
+          <a:xfrm>
+            <a:off x="9144000" y="5825880"/>
+            <a:ext cx="914040" cy="345960"/>
+          </a:xfrm>
+          <a:prstGeom prst="rect">
+            <a:avLst/>
+          </a:prstGeom>
+          <a:noFill/>
+          <a:ln w="0">
+            <a:noFill/>
+          </a:ln>
+        </p:spPr>
+        <p:style>
+          <a:lnRef idx="0"/>
+          <a:fillRef idx="0"/>
+          <a:effectRef idx="0"/>
+          <a:fontRef idx="minor"/>
+        </p:style>
+        <p:txBody>
+          <a:bodyPr lIns="90000" rIns="90000" tIns="45000" bIns="45000" anchor="t">
+            <a:noAutofit/>
+          </a:bodyPr>
+          <a:p>
+            <a:pPr>
+              <a:lnSpc>
+                <a:spcPct val="100000"/>
+              </a:lnSpc>
+              <a:buNone/>
+            </a:pPr>
+            <a:r>
+              <a:rPr b="0" lang="en-US" sz="1800" spc="-1" strike="noStrike">
+                <a:latin typeface="Arial"/>
+              </a:rPr>
+              <a:t>Device</a:t>
+            </a:r>
+            <a:endParaRPr b="0" lang="en-US" sz="1800" spc="-1" strike="noStrike">
+              <a:latin typeface="Arial"/>
+            </a:endParaRPr>
+          </a:p>
+        </p:txBody>
+      </p:sp>
+      <p:sp>
+        <p:nvSpPr>
+          <p:cNvPr id="223" name=""/>
+          <p:cNvSpPr/>
+          <p:nvPr/>
+        </p:nvSpPr>
+        <p:spPr>
+          <a:xfrm>
+            <a:off x="6172200" y="2971800"/>
+            <a:ext cx="1599840" cy="685440"/>
+          </a:xfrm>
+          <a:prstGeom prst="rect">
+            <a:avLst/>
+          </a:prstGeom>
+          <a:noFill/>
+          <a:ln w="0">
+            <a:noFill/>
+          </a:ln>
+        </p:spPr>
+        <p:style>
+          <a:lnRef idx="0"/>
+          <a:fillRef idx="0"/>
+          <a:effectRef idx="0"/>
+          <a:fontRef idx="minor"/>
+        </p:style>
+        <p:txBody>
+          <a:bodyPr lIns="90000" rIns="90000" tIns="45000" bIns="45000" anchor="t">
+            <a:noAutofit/>
+          </a:bodyPr>
+          <a:p>
+            <a:pPr>
+              <a:lnSpc>
+                <a:spcPct val="100000"/>
+              </a:lnSpc>
+              <a:buNone/>
+            </a:pPr>
+            <a:r>
+              <a:rPr b="0" lang="en-US" sz="1800" spc="-1" strike="noStrike">
+                <a:latin typeface="Arial"/>
+              </a:rPr>
+              <a:t>Equipment</a:t>
+            </a:r>
+            <a:endParaRPr b="0" lang="en-US" sz="1800" spc="-1" strike="noStrike">
+              <a:latin typeface="Arial"/>
+            </a:endParaRPr>
+          </a:p>
+        </p:txBody>
+      </p:sp>
+      <p:sp>
+        <p:nvSpPr>
+          <p:cNvPr id="224" name=""/>
+          <p:cNvSpPr/>
+          <p:nvPr/>
+        </p:nvSpPr>
+        <p:spPr>
+          <a:xfrm>
+            <a:off x="9601200" y="4800600"/>
+            <a:ext cx="1599840" cy="345960"/>
+          </a:xfrm>
+          <a:prstGeom prst="rect">
+            <a:avLst/>
+          </a:prstGeom>
+          <a:noFill/>
+          <a:ln w="0">
+            <a:noFill/>
+          </a:ln>
+        </p:spPr>
+        <p:style>
+          <a:lnRef idx="0"/>
+          <a:fillRef idx="0"/>
+          <a:effectRef idx="0"/>
+          <a:fontRef idx="minor"/>
+        </p:style>
+        <p:txBody>
+          <a:bodyPr lIns="90000" rIns="90000" tIns="45000" bIns="45000" anchor="t">
+            <a:noAutofit/>
+          </a:bodyPr>
+          <a:p>
+            <a:pPr>
+              <a:lnSpc>
+                <a:spcPct val="100000"/>
+              </a:lnSpc>
+              <a:buNone/>
+            </a:pPr>
+            <a:r>
+              <a:rPr b="0" lang="en-US" sz="1800" spc="-1" strike="noStrike">
+                <a:latin typeface="Arial"/>
+              </a:rPr>
+              <a:t>Valve</a:t>
             </a:r>
             <a:endParaRPr b="0" lang="en-US" sz="1800" spc="-1" strike="noStrike">
               <a:latin typeface="Arial"/>
@@ -13432,7 +13451,7 @@
       </p:grpSpPr>
       <p:sp>
         <p:nvSpPr>
-          <p:cNvPr id="235" name="TextShape 11"/>
+          <p:cNvPr id="225" name="TextShape 9"/>
           <p:cNvSpPr/>
           <p:nvPr/>
         </p:nvSpPr>
@@ -13474,24 +13493,45 @@
                 <a:latin typeface="Verdana"/>
                 <a:ea typeface="DejaVu Sans"/>
               </a:rPr>
-              <a:t>OpenAPI specification and implementation</a:t>
+              <a:t>Analysis of the tutorial example</a:t>
             </a:r>
             <a:endParaRPr b="0" lang="en-US" sz="3200" spc="-1" strike="noStrike">
               <a:latin typeface="Arial"/>
             </a:endParaRPr>
           </a:p>
-        </p:txBody>
-      </p:sp>
-      <p:sp>
-        <p:nvSpPr>
-          <p:cNvPr id="236" name="TextShape 12"/>
+          <a:p>
+            <a:pPr algn="r">
+              <a:lnSpc>
+                <a:spcPct val="100000"/>
+              </a:lnSpc>
+              <a:buNone/>
+            </a:pPr>
+            <a:r>
+              <a:rPr b="0" lang="cs-CZ" sz="3200" spc="-1" strike="noStrike">
+                <a:solidFill>
+                  <a:srgbClr val="666666"/>
+                </a:solidFill>
+                <a:latin typeface="Verdana"/>
+                <a:ea typeface="DejaVu Sans"/>
+              </a:rPr>
+              <a:t>Systems database</a:t>
+            </a:r>
+            <a:endParaRPr b="0" lang="en-US" sz="3200" spc="-1" strike="noStrike">
+              <a:latin typeface="Arial"/>
+            </a:endParaRPr>
+          </a:p>
+        </p:txBody>
+      </p:sp>
+      <p:sp>
+        <p:nvSpPr>
+          <p:cNvPr id="226" name="CustomShape 9"/>
           <p:cNvSpPr/>
           <p:nvPr/>
         </p:nvSpPr>
         <p:spPr>
           <a:xfrm>
-            <a:off x="432000" y="1548000"/>
-            <a:ext cx="9826920" cy="4966920"/>
+            <a:off x="3405960" y="7041600"/>
+            <a:ext cx="322920" cy="358920"/>
           </a:xfrm>
           <a:prstGeom prst="rect">
             <a:avLst/>
@@ -13516,183 +13556,34 @@
               <a:lnSpc>
                 <a:spcPct val="100000"/>
               </a:lnSpc>
-              <a:spcBef>
-                <a:spcPts val="431"/>
-              </a:spcBef>
-              <a:spcAft>
-                <a:spcPts val="431"/>
-              </a:spcAft>
               <a:buNone/>
             </a:pPr>
             <a:r>
-              <a:rPr b="0" lang="cs-CZ" sz="2000" spc="-1" strike="noStrike">
-                <a:solidFill>
-                  <a:srgbClr val="616161"/>
-                </a:solidFill>
-                <a:latin typeface="Verdana"/>
-                <a:ea typeface="DejaVu Sans"/>
-              </a:rPr>
-              <a:t>GitHub project: </a:t>
-            </a:r>
-            <a:endParaRPr b="0" lang="en-US" sz="2000" spc="-1" strike="noStrike">
-              <a:solidFill>
-                <a:srgbClr val="616161"/>
-              </a:solidFill>
-              <a:latin typeface="Arial"/>
-            </a:endParaRPr>
-          </a:p>
-          <a:p>
-            <a:pPr>
-              <a:lnSpc>
-                <a:spcPct val="100000"/>
-              </a:lnSpc>
-              <a:spcBef>
-                <a:spcPts val="431"/>
-              </a:spcBef>
-              <a:spcAft>
-                <a:spcPts val="431"/>
-              </a:spcAft>
-              <a:buNone/>
-            </a:pPr>
-            <a:r>
-              <a:rPr b="0" lang="cs-CZ" sz="2000" spc="-1" strike="noStrike">
-                <a:solidFill>
-                  <a:srgbClr val="616161"/>
-                </a:solidFill>
-                <a:latin typeface="Verdana"/>
-                <a:ea typeface="DejaVu Sans"/>
-              </a:rPr>
-              <a:t>https://github.com/JiriSvachaEliBeams/OpenAPI-Tutorial</a:t>
-            </a:r>
-            <a:endParaRPr b="0" lang="en-US" sz="2000" spc="-1" strike="noStrike">
-              <a:solidFill>
-                <a:srgbClr val="616161"/>
-              </a:solidFill>
-              <a:latin typeface="Arial"/>
-            </a:endParaRPr>
-          </a:p>
-          <a:p>
-            <a:pPr>
-              <a:lnSpc>
-                <a:spcPct val="100000"/>
-              </a:lnSpc>
-              <a:spcBef>
-                <a:spcPts val="431"/>
-              </a:spcBef>
-              <a:spcAft>
-                <a:spcPts val="431"/>
-              </a:spcAft>
-              <a:buNone/>
-            </a:pPr>
-            <a:endParaRPr b="0" lang="en-US" sz="2000" spc="-1" strike="noStrike">
-              <a:solidFill>
-                <a:srgbClr val="616161"/>
-              </a:solidFill>
-              <a:latin typeface="Arial"/>
-            </a:endParaRPr>
-          </a:p>
-          <a:p>
-            <a:pPr>
-              <a:lnSpc>
-                <a:spcPct val="100000"/>
-              </a:lnSpc>
-              <a:spcBef>
-                <a:spcPts val="431"/>
-              </a:spcBef>
-              <a:spcAft>
-                <a:spcPts val="431"/>
-              </a:spcAft>
-              <a:buNone/>
-            </a:pPr>
-            <a:r>
-              <a:rPr b="0" lang="cs-CZ" sz="2000" spc="-1" strike="noStrike">
-                <a:solidFill>
-                  <a:srgbClr val="616161"/>
-                </a:solidFill>
-                <a:latin typeface="Verdana"/>
-                <a:ea typeface="DejaVu Sans"/>
-              </a:rPr>
-              <a:t>Use open-source swagger editor: </a:t>
-            </a:r>
-            <a:endParaRPr b="0" lang="en-US" sz="2000" spc="-1" strike="noStrike">
-              <a:solidFill>
-                <a:srgbClr val="616161"/>
-              </a:solidFill>
-              <a:latin typeface="Arial"/>
-            </a:endParaRPr>
-          </a:p>
-          <a:p>
-            <a:pPr>
-              <a:lnSpc>
-                <a:spcPct val="100000"/>
-              </a:lnSpc>
-              <a:spcBef>
-                <a:spcPts val="431"/>
-              </a:spcBef>
-              <a:spcAft>
-                <a:spcPts val="431"/>
-              </a:spcAft>
-              <a:buNone/>
-            </a:pPr>
-            <a:r>
-              <a:rPr b="0" lang="cs-CZ" sz="2000" spc="-1" strike="noStrike">
-                <a:solidFill>
-                  <a:srgbClr val="616161"/>
-                </a:solidFill>
-                <a:latin typeface="Verdana"/>
-                <a:ea typeface="DejaVu Sans"/>
-              </a:rPr>
-              <a:t>https://editor.swagger.io/</a:t>
-            </a:r>
-            <a:endParaRPr b="0" lang="en-US" sz="2000" spc="-1" strike="noStrike">
-              <a:solidFill>
-                <a:srgbClr val="616161"/>
-              </a:solidFill>
-              <a:latin typeface="Arial"/>
-            </a:endParaRPr>
-          </a:p>
-          <a:p>
-            <a:pPr>
-              <a:lnSpc>
-                <a:spcPct val="100000"/>
-              </a:lnSpc>
-              <a:spcBef>
-                <a:spcPts val="431"/>
-              </a:spcBef>
-              <a:spcAft>
-                <a:spcPts val="431"/>
-              </a:spcAft>
-              <a:buNone/>
-            </a:pPr>
-            <a:r>
-              <a:rPr b="0" lang="cs-CZ" sz="2000" spc="-1" strike="noStrike">
-                <a:solidFill>
-                  <a:srgbClr val="616161"/>
-                </a:solidFill>
-                <a:latin typeface="Verdana"/>
-                <a:ea typeface="DejaVu Sans"/>
-              </a:rPr>
-              <a:t> </a:t>
-            </a:r>
-            <a:endParaRPr b="0" lang="en-US" sz="2000" spc="-1" strike="noStrike">
-              <a:solidFill>
-                <a:srgbClr val="616161"/>
-              </a:solidFill>
-              <a:latin typeface="Arial"/>
-            </a:endParaRPr>
-          </a:p>
-        </p:txBody>
-      </p:sp>
-      <p:sp>
-        <p:nvSpPr>
-          <p:cNvPr id="237" name="CustomShape 13"/>
+              <a:rPr b="0" lang="en-US" sz="1000" spc="-1" strike="noStrike">
+                <a:solidFill>
+                  <a:srgbClr val="ffffff"/>
+                </a:solidFill>
+                <a:latin typeface="Arial"/>
+                <a:ea typeface="DejaVu Sans"/>
+              </a:rPr>
+              <a:t>Date:</a:t>
+            </a:r>
+            <a:endParaRPr b="0" lang="en-US" sz="1000" spc="-1" strike="noStrike">
+              <a:latin typeface="Arial"/>
+            </a:endParaRPr>
+          </a:p>
+        </p:txBody>
+      </p:sp>
+      <p:sp>
+        <p:nvSpPr>
+          <p:cNvPr id="227" name="CustomShape 10"/>
           <p:cNvSpPr/>
           <p:nvPr/>
         </p:nvSpPr>
         <p:spPr>
           <a:xfrm>
-            <a:off x="3405960" y="7041600"/>
-            <a:ext cx="322920" cy="358920"/>
+            <a:off x="4716720" y="7041600"/>
+            <a:ext cx="358920" cy="358920"/>
           </a:xfrm>
           <a:prstGeom prst="rect">
             <a:avLst/>
@@ -13727,7 +13618,7 @@
                 <a:latin typeface="Arial"/>
                 <a:ea typeface="DejaVu Sans"/>
               </a:rPr>
-              <a:t>Date:</a:t>
+              <a:t>Page:</a:t>
             </a:r>
             <a:endParaRPr b="0" lang="en-US" sz="1000" spc="-1" strike="noStrike">
               <a:latin typeface="Arial"/>
@@ -13737,59 +13628,7 @@
       </p:sp>
       <p:sp>
         <p:nvSpPr>
-          <p:cNvPr id="238" name="CustomShape 14"/>
-          <p:cNvSpPr/>
-          <p:nvPr/>
-        </p:nvSpPr>
-        <p:spPr>
-          <a:xfrm>
-            <a:off x="4716720" y="7041600"/>
-            <a:ext cx="358920" cy="358920"/>
-          </a:xfrm>
-          <a:prstGeom prst="rect">
-            <a:avLst/>
-          </a:prstGeom>
-          <a:noFill/>
-          <a:ln w="0">
-            <a:noFill/>
-          </a:ln>
-        </p:spPr>
-        <p:style>
-          <a:lnRef idx="0"/>
-          <a:fillRef idx="0"/>
-          <a:effectRef idx="0"/>
-          <a:fontRef idx="minor"/>
-        </p:style>
-        <p:txBody>
-          <a:bodyPr lIns="0" rIns="0" tIns="0" bIns="0" anchor="ctr">
-            <a:noAutofit/>
-          </a:bodyPr>
-          <a:p>
-            <a:pPr>
-              <a:lnSpc>
-                <a:spcPct val="100000"/>
-              </a:lnSpc>
-              <a:buNone/>
-            </a:pPr>
-            <a:r>
-              <a:rPr b="0" lang="en-US" sz="1000" spc="-1" strike="noStrike">
-                <a:solidFill>
-                  <a:srgbClr val="ffffff"/>
-                </a:solidFill>
-                <a:latin typeface="Arial"/>
-                <a:ea typeface="DejaVu Sans"/>
-              </a:rPr>
-              <a:t>Page:</a:t>
-            </a:r>
-            <a:endParaRPr b="0" lang="en-US" sz="1000" spc="-1" strike="noStrike">
-              <a:latin typeface="Arial"/>
-            </a:endParaRPr>
-          </a:p>
-        </p:txBody>
-      </p:sp>
-      <p:sp>
-        <p:nvSpPr>
-          <p:cNvPr id="239" name="Line 7"/>
+          <p:cNvPr id="228" name="Line 5"/>
           <p:cNvSpPr/>
           <p:nvPr/>
         </p:nvSpPr>
@@ -13823,7 +13662,7 @@
       </p:sp>
       <p:sp>
         <p:nvSpPr>
-          <p:cNvPr id="240" name="PlaceHolder 6"/>
+          <p:cNvPr id="229" name="PlaceHolder 4"/>
           <p:cNvSpPr/>
           <p:nvPr/>
         </p:nvSpPr>
@@ -13857,7 +13696,7 @@
               </a:lnSpc>
               <a:buNone/>
             </a:pPr>
-            <a:fld id="{0C11C11F-DB24-466E-B30D-88A7C44078AF}" type="slidenum">
+            <a:fld id="{9E77D978-4D7D-40B7-8CF2-61514F5EBA4F}" type="slidenum">
               <a:rPr b="0" lang="en-US" sz="1000" spc="-1" strike="noStrike">
                 <a:solidFill>
                   <a:srgbClr val="ffffff"/>
@@ -13875,7 +13714,7 @@
       </p:sp>
       <p:sp>
         <p:nvSpPr>
-          <p:cNvPr id="241" name="Zástupný symbol pro datum 7"/>
+          <p:cNvPr id="230" name="Zástupný symbol pro datum 5"/>
           <p:cNvSpPr/>
           <p:nvPr/>
         </p:nvSpPr>
@@ -13920,6 +13759,918 @@
               <a:t>4.10.2022</a:t>
             </a:r>
             <a:endParaRPr b="0" lang="en-US" sz="1000" spc="-1" strike="noStrike">
+              <a:latin typeface="Arial"/>
+            </a:endParaRPr>
+          </a:p>
+        </p:txBody>
+      </p:sp>
+      <p:sp>
+        <p:nvSpPr>
+          <p:cNvPr id="231" name=""/>
+          <p:cNvSpPr/>
+          <p:nvPr/>
+        </p:nvSpPr>
+        <p:spPr>
+          <a:xfrm>
+            <a:off x="3429000" y="1028520"/>
+            <a:ext cx="2514240" cy="2514240"/>
+          </a:xfrm>
+          <a:prstGeom prst="ellipse">
+            <a:avLst/>
+          </a:prstGeom>
+          <a:solidFill>
+            <a:srgbClr val="b3e5fc"/>
+          </a:solidFill>
+          <a:ln w="0">
+            <a:solidFill>
+              <a:srgbClr val="3465a4">
+                <a:alpha val="70000"/>
+              </a:srgbClr>
+            </a:solidFill>
+          </a:ln>
+        </p:spPr>
+        <p:style>
+          <a:lnRef idx="0"/>
+          <a:fillRef idx="0"/>
+          <a:effectRef idx="0"/>
+          <a:fontRef idx="minor"/>
+        </p:style>
+        <p:txBody>
+          <a:bodyPr lIns="90000" rIns="90000" tIns="45000" bIns="45000" anchor="ctr">
+            <a:noAutofit/>
+          </a:bodyPr>
+          <a:p>
+            <a:pPr algn="ctr">
+              <a:lnSpc>
+                <a:spcPct val="100000"/>
+              </a:lnSpc>
+              <a:buNone/>
+            </a:pPr>
+            <a:r>
+              <a:rPr b="0" lang="en-US" sz="2600" spc="-1" strike="noStrike">
+                <a:solidFill>
+                  <a:srgbClr val="000000"/>
+                </a:solidFill>
+                <a:latin typeface="Arial"/>
+                <a:ea typeface="DejaVu Sans"/>
+              </a:rPr>
+              <a:t>System</a:t>
+            </a:r>
+            <a:endParaRPr b="0" lang="en-US" sz="2600" spc="-1" strike="noStrike">
+              <a:latin typeface="Arial"/>
+            </a:endParaRPr>
+          </a:p>
+          <a:p>
+            <a:pPr marL="216000" indent="-216000">
+              <a:lnSpc>
+                <a:spcPct val="100000"/>
+              </a:lnSpc>
+              <a:spcBef>
+                <a:spcPts val="145"/>
+              </a:spcBef>
+              <a:spcAft>
+                <a:spcPts val="145"/>
+              </a:spcAft>
+              <a:buClr>
+                <a:srgbClr val="000000"/>
+              </a:buClr>
+              <a:buSzPct val="45000"/>
+              <a:buFont typeface="Wingdings" charset="2"/>
+              <a:buChar char=""/>
+            </a:pPr>
+            <a:r>
+              <a:rPr b="0" lang="en-US" sz="1800" spc="-1" strike="noStrike">
+                <a:solidFill>
+                  <a:srgbClr val="000000"/>
+                </a:solidFill>
+                <a:latin typeface="Arial"/>
+                <a:ea typeface="Noto Sans CJK SC"/>
+              </a:rPr>
+              <a:t>Name</a:t>
+            </a:r>
+            <a:endParaRPr b="0" lang="en-US" sz="1800" spc="-1" strike="noStrike">
+              <a:latin typeface="Arial"/>
+            </a:endParaRPr>
+          </a:p>
+          <a:p>
+            <a:pPr marL="216000" indent="-216000">
+              <a:lnSpc>
+                <a:spcPct val="100000"/>
+              </a:lnSpc>
+              <a:spcBef>
+                <a:spcPts val="145"/>
+              </a:spcBef>
+              <a:spcAft>
+                <a:spcPts val="145"/>
+              </a:spcAft>
+              <a:buClr>
+                <a:srgbClr val="000000"/>
+              </a:buClr>
+              <a:buSzPct val="45000"/>
+              <a:buFont typeface="Wingdings" charset="2"/>
+              <a:buChar char=""/>
+            </a:pPr>
+            <a:r>
+              <a:rPr b="0" lang="en-US" sz="1800" spc="-1" strike="noStrike">
+                <a:solidFill>
+                  <a:srgbClr val="000000"/>
+                </a:solidFill>
+                <a:latin typeface="Arial"/>
+                <a:ea typeface="Noto Sans CJK SC"/>
+              </a:rPr>
+              <a:t>Code</a:t>
+            </a:r>
+            <a:endParaRPr b="0" lang="en-US" sz="1800" spc="-1" strike="noStrike">
+              <a:latin typeface="Arial"/>
+            </a:endParaRPr>
+          </a:p>
+        </p:txBody>
+      </p:sp>
+      <p:sp>
+        <p:nvSpPr>
+          <p:cNvPr id="232" name=""/>
+          <p:cNvSpPr/>
+          <p:nvPr/>
+        </p:nvSpPr>
+        <p:spPr>
+          <a:xfrm>
+            <a:off x="7734600" y="4186800"/>
+            <a:ext cx="2514240" cy="2514240"/>
+          </a:xfrm>
+          <a:prstGeom prst="ellipse">
+            <a:avLst/>
+          </a:prstGeom>
+          <a:solidFill>
+            <a:srgbClr val="fff9c4"/>
+          </a:solidFill>
+          <a:ln w="0">
+            <a:solidFill>
+              <a:srgbClr val="3465a4">
+                <a:alpha val="70000"/>
+              </a:srgbClr>
+            </a:solidFill>
+          </a:ln>
+        </p:spPr>
+        <p:style>
+          <a:lnRef idx="0"/>
+          <a:fillRef idx="0"/>
+          <a:effectRef idx="0"/>
+          <a:fontRef idx="minor"/>
+        </p:style>
+        <p:txBody>
+          <a:bodyPr lIns="90000" rIns="90000" tIns="45000" bIns="45000" anchor="ctr">
+            <a:noAutofit/>
+          </a:bodyPr>
+          <a:p>
+            <a:pPr algn="ctr">
+              <a:lnSpc>
+                <a:spcPct val="100000"/>
+              </a:lnSpc>
+              <a:buNone/>
+            </a:pPr>
+            <a:r>
+              <a:rPr b="0" lang="en-US" sz="2600" spc="-1" strike="noStrike">
+                <a:solidFill>
+                  <a:srgbClr val="000000"/>
+                </a:solidFill>
+                <a:latin typeface="Arial"/>
+                <a:ea typeface="DejaVu Sans"/>
+              </a:rPr>
+              <a:t>User</a:t>
+            </a:r>
+            <a:endParaRPr b="0" lang="en-US" sz="2600" spc="-1" strike="noStrike">
+              <a:latin typeface="Arial"/>
+            </a:endParaRPr>
+          </a:p>
+          <a:p>
+            <a:pPr marL="216000" indent="-216000">
+              <a:lnSpc>
+                <a:spcPct val="100000"/>
+              </a:lnSpc>
+              <a:spcBef>
+                <a:spcPts val="145"/>
+              </a:spcBef>
+              <a:spcAft>
+                <a:spcPts val="145"/>
+              </a:spcAft>
+              <a:buClr>
+                <a:srgbClr val="000000"/>
+              </a:buClr>
+              <a:buSzPct val="45000"/>
+              <a:buFont typeface="Wingdings" charset="2"/>
+              <a:buChar char=""/>
+            </a:pPr>
+            <a:r>
+              <a:rPr b="0" lang="en-US" sz="1800" spc="-1" strike="noStrike">
+                <a:solidFill>
+                  <a:srgbClr val="000000"/>
+                </a:solidFill>
+                <a:latin typeface="Arial"/>
+                <a:ea typeface="Noto Sans CJK SC"/>
+              </a:rPr>
+              <a:t>Username</a:t>
+            </a:r>
+            <a:endParaRPr b="0" lang="en-US" sz="1800" spc="-1" strike="noStrike">
+              <a:latin typeface="Arial"/>
+            </a:endParaRPr>
+          </a:p>
+        </p:txBody>
+      </p:sp>
+      <p:sp>
+        <p:nvSpPr>
+          <p:cNvPr id="233" name=""/>
+          <p:cNvSpPr/>
+          <p:nvPr/>
+        </p:nvSpPr>
+        <p:spPr>
+          <a:xfrm>
+            <a:off x="228600" y="2286000"/>
+            <a:ext cx="2286000" cy="2286000"/>
+          </a:xfrm>
+          <a:prstGeom prst="ellipse">
+            <a:avLst/>
+          </a:prstGeom>
+          <a:solidFill>
+            <a:srgbClr val="ffccbc"/>
+          </a:solidFill>
+          <a:ln w="0">
+            <a:solidFill>
+              <a:srgbClr val="3465a4">
+                <a:alpha val="70000"/>
+              </a:srgbClr>
+            </a:solidFill>
+          </a:ln>
+        </p:spPr>
+        <p:style>
+          <a:lnRef idx="0"/>
+          <a:fillRef idx="0"/>
+          <a:effectRef idx="0"/>
+          <a:fontRef idx="minor"/>
+        </p:style>
+        <p:txBody>
+          <a:bodyPr lIns="90000" rIns="90000" tIns="45000" bIns="45000" anchor="ctr">
+            <a:noAutofit/>
+          </a:bodyPr>
+          <a:p>
+            <a:pPr algn="ctr">
+              <a:lnSpc>
+                <a:spcPct val="100000"/>
+              </a:lnSpc>
+              <a:buNone/>
+            </a:pPr>
+            <a:r>
+              <a:rPr b="0" lang="en-US" sz="2600" spc="-1" strike="noStrike">
+                <a:solidFill>
+                  <a:srgbClr val="000000"/>
+                </a:solidFill>
+                <a:latin typeface="Arial"/>
+                <a:ea typeface="DejaVu Sans"/>
+              </a:rPr>
+              <a:t>Config</a:t>
+            </a:r>
+            <a:endParaRPr b="0" lang="en-US" sz="2600" spc="-1" strike="noStrike">
+              <a:latin typeface="Arial"/>
+            </a:endParaRPr>
+          </a:p>
+          <a:p>
+            <a:pPr marL="216000" indent="-216000">
+              <a:lnSpc>
+                <a:spcPct val="100000"/>
+              </a:lnSpc>
+              <a:spcBef>
+                <a:spcPts val="145"/>
+              </a:spcBef>
+              <a:spcAft>
+                <a:spcPts val="145"/>
+              </a:spcAft>
+              <a:buClr>
+                <a:srgbClr val="000000"/>
+              </a:buClr>
+              <a:buSzPct val="45000"/>
+              <a:buFont typeface="Wingdings" charset="2"/>
+              <a:buChar char=""/>
+            </a:pPr>
+            <a:r>
+              <a:rPr b="0" lang="en-US" sz="1800" spc="-1" strike="noStrike">
+                <a:solidFill>
+                  <a:srgbClr val="000000"/>
+                </a:solidFill>
+                <a:latin typeface="Arial"/>
+                <a:ea typeface="Noto Sans CJK SC"/>
+              </a:rPr>
+              <a:t>Key</a:t>
+            </a:r>
+            <a:endParaRPr b="0" lang="en-US" sz="1800" spc="-1" strike="noStrike">
+              <a:latin typeface="Arial"/>
+            </a:endParaRPr>
+          </a:p>
+          <a:p>
+            <a:pPr marL="216000" indent="-216000">
+              <a:lnSpc>
+                <a:spcPct val="100000"/>
+              </a:lnSpc>
+              <a:spcBef>
+                <a:spcPts val="145"/>
+              </a:spcBef>
+              <a:spcAft>
+                <a:spcPts val="145"/>
+              </a:spcAft>
+              <a:buClr>
+                <a:srgbClr val="000000"/>
+              </a:buClr>
+              <a:buSzPct val="45000"/>
+              <a:buFont typeface="Wingdings" charset="2"/>
+              <a:buChar char=""/>
+            </a:pPr>
+            <a:r>
+              <a:rPr b="0" lang="en-US" sz="1800" spc="-1" strike="noStrike">
+                <a:solidFill>
+                  <a:srgbClr val="000000"/>
+                </a:solidFill>
+                <a:latin typeface="Arial"/>
+                <a:ea typeface="Noto Sans CJK SC"/>
+              </a:rPr>
+              <a:t>Value</a:t>
+            </a:r>
+            <a:endParaRPr b="0" lang="en-US" sz="1800" spc="-1" strike="noStrike">
+              <a:latin typeface="Arial"/>
+            </a:endParaRPr>
+          </a:p>
+        </p:txBody>
+      </p:sp>
+      <p:sp>
+        <p:nvSpPr>
+          <p:cNvPr id="234" name=""/>
+          <p:cNvSpPr/>
+          <p:nvPr/>
+        </p:nvSpPr>
+        <p:spPr>
+          <a:xfrm>
+            <a:off x="5575680" y="3175200"/>
+            <a:ext cx="2882520" cy="1379520"/>
+          </a:xfrm>
+          <a:prstGeom prst="curvedConnector3">
+            <a:avLst>
+              <a:gd name="adj1" fmla="val 50000"/>
+            </a:avLst>
+          </a:prstGeom>
+          <a:noFill/>
+          <a:ln w="38160">
+            <a:solidFill>
+              <a:srgbClr val="9e9e9e"/>
+            </a:solidFill>
+            <a:round/>
+            <a:tailEnd len="med" type="triangle" w="med"/>
+          </a:ln>
+        </p:spPr>
+        <p:style>
+          <a:lnRef idx="0"/>
+          <a:fillRef idx="0"/>
+          <a:effectRef idx="0"/>
+          <a:fontRef idx="minor"/>
+        </p:style>
+        <p:txBody>
+          <a:bodyPr lIns="109080" rIns="109080" tIns="64080" bIns="64080" anchor="ctr">
+            <a:noAutofit/>
+          </a:bodyPr>
+          <a:p>
+            <a:pPr algn="ctr">
+              <a:lnSpc>
+                <a:spcPct val="100000"/>
+              </a:lnSpc>
+              <a:buNone/>
+            </a:pPr>
+            <a:r>
+              <a:rPr b="0" lang="en-US" sz="1800" spc="-1" strike="noStrike">
+                <a:latin typeface="Arial"/>
+              </a:rPr>
+              <a:t>                                              </a:t>
+            </a:r>
+            <a:endParaRPr b="0" lang="en-US" sz="1800" spc="-1" strike="noStrike">
+              <a:latin typeface="Arial"/>
+            </a:endParaRPr>
+          </a:p>
+        </p:txBody>
+      </p:sp>
+      <p:sp>
+        <p:nvSpPr>
+          <p:cNvPr id="235" name=""/>
+          <p:cNvSpPr/>
+          <p:nvPr/>
+        </p:nvSpPr>
+        <p:spPr>
+          <a:xfrm>
+            <a:off x="2971800" y="4343400"/>
+            <a:ext cx="2514240" cy="2514240"/>
+          </a:xfrm>
+          <a:prstGeom prst="ellipse">
+            <a:avLst/>
+          </a:prstGeom>
+          <a:solidFill>
+            <a:srgbClr val="dce775"/>
+          </a:solidFill>
+          <a:ln w="0">
+            <a:solidFill>
+              <a:srgbClr val="3465a4">
+                <a:alpha val="70000"/>
+              </a:srgbClr>
+            </a:solidFill>
+          </a:ln>
+        </p:spPr>
+        <p:style>
+          <a:lnRef idx="0"/>
+          <a:fillRef idx="0"/>
+          <a:effectRef idx="0"/>
+          <a:fontRef idx="minor"/>
+        </p:style>
+        <p:txBody>
+          <a:bodyPr lIns="90000" rIns="90000" tIns="45000" bIns="45000" anchor="ctr">
+            <a:noAutofit/>
+          </a:bodyPr>
+          <a:p>
+            <a:pPr algn="ctr">
+              <a:lnSpc>
+                <a:spcPct val="100000"/>
+              </a:lnSpc>
+              <a:buNone/>
+            </a:pPr>
+            <a:r>
+              <a:rPr b="0" lang="en-US" sz="2600" spc="-1" strike="noStrike">
+                <a:solidFill>
+                  <a:srgbClr val="000000"/>
+                </a:solidFill>
+                <a:latin typeface="Arial"/>
+                <a:ea typeface="DejaVu Sans"/>
+              </a:rPr>
+              <a:t>TimeValue</a:t>
+            </a:r>
+            <a:endParaRPr b="0" lang="en-US" sz="2600" spc="-1" strike="noStrike">
+              <a:latin typeface="Arial"/>
+            </a:endParaRPr>
+          </a:p>
+          <a:p>
+            <a:pPr marL="216000" indent="-216000">
+              <a:lnSpc>
+                <a:spcPct val="100000"/>
+              </a:lnSpc>
+              <a:spcBef>
+                <a:spcPts val="145"/>
+              </a:spcBef>
+              <a:spcAft>
+                <a:spcPts val="145"/>
+              </a:spcAft>
+              <a:buClr>
+                <a:srgbClr val="000000"/>
+              </a:buClr>
+              <a:buSzPct val="45000"/>
+              <a:buFont typeface="Wingdings" charset="2"/>
+              <a:buChar char=""/>
+            </a:pPr>
+            <a:r>
+              <a:rPr b="0" lang="en-US" sz="1800" spc="-1" strike="noStrike">
+                <a:solidFill>
+                  <a:srgbClr val="000000"/>
+                </a:solidFill>
+                <a:latin typeface="Arial"/>
+                <a:ea typeface="Noto Sans CJK SC"/>
+              </a:rPr>
+              <a:t>Time</a:t>
+            </a:r>
+            <a:endParaRPr b="0" lang="en-US" sz="1800" spc="-1" strike="noStrike">
+              <a:latin typeface="Arial"/>
+            </a:endParaRPr>
+          </a:p>
+          <a:p>
+            <a:pPr marL="216000" indent="-216000">
+              <a:lnSpc>
+                <a:spcPct val="100000"/>
+              </a:lnSpc>
+              <a:spcBef>
+                <a:spcPts val="145"/>
+              </a:spcBef>
+              <a:spcAft>
+                <a:spcPts val="145"/>
+              </a:spcAft>
+              <a:buClr>
+                <a:srgbClr val="000000"/>
+              </a:buClr>
+              <a:buSzPct val="45000"/>
+              <a:buFont typeface="Wingdings" charset="2"/>
+              <a:buChar char=""/>
+            </a:pPr>
+            <a:r>
+              <a:rPr b="0" lang="en-US" sz="1800" spc="-1" strike="noStrike">
+                <a:solidFill>
+                  <a:srgbClr val="000000"/>
+                </a:solidFill>
+                <a:latin typeface="Arial"/>
+                <a:ea typeface="Noto Sans CJK SC"/>
+              </a:rPr>
+              <a:t>Value</a:t>
+            </a:r>
+            <a:endParaRPr b="0" lang="en-US" sz="1800" spc="-1" strike="noStrike">
+              <a:latin typeface="Arial"/>
+            </a:endParaRPr>
+          </a:p>
+          <a:p>
+            <a:pPr marL="216000" indent="-216000">
+              <a:lnSpc>
+                <a:spcPct val="100000"/>
+              </a:lnSpc>
+              <a:spcBef>
+                <a:spcPts val="145"/>
+              </a:spcBef>
+              <a:spcAft>
+                <a:spcPts val="145"/>
+              </a:spcAft>
+              <a:buClr>
+                <a:srgbClr val="000000"/>
+              </a:buClr>
+              <a:buSzPct val="45000"/>
+              <a:buFont typeface="Wingdings" charset="2"/>
+              <a:buChar char=""/>
+            </a:pPr>
+            <a:r>
+              <a:rPr b="0" lang="en-US" sz="1800" spc="-1" strike="noStrike">
+                <a:solidFill>
+                  <a:srgbClr val="000000"/>
+                </a:solidFill>
+                <a:latin typeface="Arial"/>
+                <a:ea typeface="Noto Sans CJK SC"/>
+              </a:rPr>
+              <a:t>Unit</a:t>
+            </a:r>
+            <a:endParaRPr b="0" lang="en-US" sz="1800" spc="-1" strike="noStrike">
+              <a:latin typeface="Arial"/>
+            </a:endParaRPr>
+          </a:p>
+        </p:txBody>
+      </p:sp>
+      <p:sp>
+        <p:nvSpPr>
+          <p:cNvPr id="236" name=""/>
+          <p:cNvSpPr/>
+          <p:nvPr/>
+        </p:nvSpPr>
+        <p:spPr>
+          <a:xfrm flipH="1">
+            <a:off x="4571640" y="3542760"/>
+            <a:ext cx="114120" cy="1029240"/>
+          </a:xfrm>
+          <a:prstGeom prst="curvedConnector3">
+            <a:avLst>
+              <a:gd name="adj1" fmla="val 50000"/>
+            </a:avLst>
+          </a:prstGeom>
+          <a:noFill/>
+          <a:ln w="38160">
+            <a:solidFill>
+              <a:srgbClr val="9e9e9e"/>
+            </a:solidFill>
+            <a:round/>
+            <a:tailEnd len="med" type="triangle" w="med"/>
+          </a:ln>
+        </p:spPr>
+        <p:style>
+          <a:lnRef idx="0"/>
+          <a:fillRef idx="0"/>
+          <a:effectRef idx="0"/>
+          <a:fontRef idx="minor"/>
+        </p:style>
+        <p:txBody>
+          <a:bodyPr lIns="109080" rIns="109080" tIns="64080" bIns="64080" anchor="ctr">
+            <a:noAutofit/>
+          </a:bodyPr>
+          <a:p>
+            <a:pPr algn="ctr">
+              <a:lnSpc>
+                <a:spcPct val="100000"/>
+              </a:lnSpc>
+              <a:buNone/>
+            </a:pPr>
+            <a:r>
+              <a:rPr b="0" lang="en-US" sz="1800" spc="-1" strike="noStrike">
+                <a:latin typeface="Arial"/>
+              </a:rPr>
+              <a:t>              </a:t>
+            </a:r>
+            <a:endParaRPr b="0" lang="en-US" sz="1800" spc="-1" strike="noStrike">
+              <a:latin typeface="Arial"/>
+            </a:endParaRPr>
+          </a:p>
+          <a:p>
+            <a:pPr algn="ctr">
+              <a:lnSpc>
+                <a:spcPct val="100000"/>
+              </a:lnSpc>
+              <a:buNone/>
+            </a:pPr>
+            <a:endParaRPr b="0" lang="en-US" sz="1800" spc="-1" strike="noStrike">
+              <a:latin typeface="Arial"/>
+            </a:endParaRPr>
+          </a:p>
+        </p:txBody>
+      </p:sp>
+      <p:sp>
+        <p:nvSpPr>
+          <p:cNvPr id="237" name=""/>
+          <p:cNvSpPr/>
+          <p:nvPr/>
+        </p:nvSpPr>
+        <p:spPr>
+          <a:xfrm flipH="1">
+            <a:off x="2286000" y="3175200"/>
+            <a:ext cx="1510560" cy="482400"/>
+          </a:xfrm>
+          <a:prstGeom prst="curvedConnector3">
+            <a:avLst>
+              <a:gd name="adj1" fmla="val 50000"/>
+            </a:avLst>
+          </a:prstGeom>
+          <a:noFill/>
+          <a:ln w="38160">
+            <a:solidFill>
+              <a:srgbClr val="9e9e9e"/>
+            </a:solidFill>
+            <a:round/>
+            <a:tailEnd len="med" type="triangle" w="med"/>
+          </a:ln>
+        </p:spPr>
+        <p:style>
+          <a:lnRef idx="0"/>
+          <a:fillRef idx="0"/>
+          <a:effectRef idx="0"/>
+          <a:fontRef idx="minor"/>
+        </p:style>
+        <p:txBody>
+          <a:bodyPr lIns="109080" rIns="109080" tIns="64080" bIns="64080" anchor="ctr">
+            <a:noAutofit/>
+          </a:bodyPr>
+          <a:p>
+            <a:pPr algn="ctr">
+              <a:lnSpc>
+                <a:spcPct val="100000"/>
+              </a:lnSpc>
+              <a:buNone/>
+            </a:pPr>
+            <a:r>
+              <a:rPr b="0" lang="en-US" sz="1800" spc="-1" strike="noStrike">
+                <a:latin typeface="Arial"/>
+              </a:rPr>
+              <a:t>    </a:t>
+            </a:r>
+            <a:r>
+              <a:rPr b="0" lang="en-US" sz="1800" spc="-1" strike="noStrike">
+                <a:latin typeface="Arial"/>
+              </a:rPr>
+              <a:t>HAS</a:t>
+            </a:r>
+            <a:endParaRPr b="0" lang="en-US" sz="1800" spc="-1" strike="noStrike">
+              <a:latin typeface="Arial"/>
+            </a:endParaRPr>
+          </a:p>
+        </p:txBody>
+      </p:sp>
+      <p:sp>
+        <p:nvSpPr>
+          <p:cNvPr id="238" name=""/>
+          <p:cNvSpPr txBox="1"/>
+          <p:nvPr/>
+        </p:nvSpPr>
+        <p:spPr>
+          <a:xfrm>
+            <a:off x="3886200" y="3886200"/>
+            <a:ext cx="1371600" cy="346320"/>
+          </a:xfrm>
+          <a:prstGeom prst="rect">
+            <a:avLst/>
+          </a:prstGeom>
+          <a:noFill/>
+          <a:ln w="0">
+            <a:noFill/>
+          </a:ln>
+        </p:spPr>
+        <p:txBody>
+          <a:bodyPr lIns="90000" rIns="90000" tIns="45000" bIns="45000" anchor="t">
+            <a:noAutofit/>
+          </a:bodyPr>
+          <a:p>
+            <a:r>
+              <a:rPr b="0" lang="en-US" sz="1800" spc="-1" strike="noStrike">
+                <a:latin typeface="Arial"/>
+              </a:rPr>
+              <a:t>LOG</a:t>
+            </a:r>
+            <a:endParaRPr b="0" lang="en-US" sz="1800" spc="-1" strike="noStrike">
+              <a:latin typeface="Arial"/>
+            </a:endParaRPr>
+          </a:p>
+        </p:txBody>
+      </p:sp>
+      <p:cxnSp>
+        <p:nvCxnSpPr>
+          <p:cNvPr id="239" name=""/>
+          <p:cNvCxnSpPr/>
+          <p:nvPr/>
+        </p:nvCxnSpPr>
+        <p:spPr>
+          <a:xfrm>
+            <a:off x="0" y="0"/>
+            <a:ext cx="360" cy="360"/>
+          </a:xfrm>
+          <a:prstGeom prst="line">
+            <a:avLst/>
+          </a:prstGeom>
+          <a:ln w="29160">
+            <a:solidFill>
+              <a:srgbClr val="9e9e9e"/>
+            </a:solidFill>
+            <a:round/>
+            <a:tailEnd len="med" type="triangle" w="med"/>
+          </a:ln>
+        </p:spPr>
+      </p:cxnSp>
+      <p:sp>
+        <p:nvSpPr>
+          <p:cNvPr id="240" name=""/>
+          <p:cNvSpPr txBox="1"/>
+          <p:nvPr/>
+        </p:nvSpPr>
+        <p:spPr>
+          <a:xfrm>
+            <a:off x="1143000" y="1371600"/>
+            <a:ext cx="2286000" cy="602280"/>
+          </a:xfrm>
+          <a:prstGeom prst="rect">
+            <a:avLst/>
+          </a:prstGeom>
+          <a:noFill/>
+          <a:ln w="0">
+            <a:noFill/>
+          </a:ln>
+        </p:spPr>
+        <p:txBody>
+          <a:bodyPr lIns="90000" rIns="90000" tIns="45000" bIns="45000" anchor="t">
+            <a:noAutofit/>
+          </a:bodyPr>
+          <a:p>
+            <a:r>
+              <a:rPr b="0" lang="en-US" sz="1800" spc="-1" strike="noStrike">
+                <a:latin typeface="Arial"/>
+              </a:rPr>
+              <a:t>HAS_SUBSYSTEM</a:t>
+            </a:r>
+            <a:endParaRPr b="0" lang="en-US" sz="1800" spc="-1" strike="noStrike">
+              <a:latin typeface="Arial"/>
+            </a:endParaRPr>
+          </a:p>
+        </p:txBody>
+      </p:sp>
+      <p:sp>
+        <p:nvSpPr>
+          <p:cNvPr id="241" name=""/>
+          <p:cNvSpPr txBox="1"/>
+          <p:nvPr/>
+        </p:nvSpPr>
+        <p:spPr>
+          <a:xfrm>
+            <a:off x="6858000" y="3311280"/>
+            <a:ext cx="2642040" cy="346320"/>
+          </a:xfrm>
+          <a:prstGeom prst="rect">
+            <a:avLst/>
+          </a:prstGeom>
+          <a:noFill/>
+          <a:ln w="0">
+            <a:noFill/>
+          </a:ln>
+        </p:spPr>
+        <p:txBody>
+          <a:bodyPr lIns="90000" rIns="90000" tIns="45000" bIns="45000" anchor="t">
+            <a:noAutofit/>
+          </a:bodyPr>
+          <a:p>
+            <a:pPr algn="ctr">
+              <a:lnSpc>
+                <a:spcPct val="100000"/>
+              </a:lnSpc>
+              <a:buNone/>
+            </a:pPr>
+            <a:r>
+              <a:rPr b="0" lang="en-US" sz="1800" spc="-1" strike="noStrike">
+                <a:latin typeface="Arial"/>
+              </a:rPr>
+              <a:t>W</a:t>
+            </a:r>
+            <a:r>
+              <a:rPr b="0" lang="en-US" sz="1800" spc="-1" strike="noStrike">
+                <a:latin typeface="Arial"/>
+              </a:rPr>
+              <a:t>AS</a:t>
+            </a:r>
+            <a:r>
+              <a:rPr b="0" lang="en-US" sz="1800" spc="-1" strike="noStrike">
+                <a:latin typeface="Arial"/>
+              </a:rPr>
+              <a:t>_M</a:t>
+            </a:r>
+            <a:r>
+              <a:rPr b="0" lang="en-US" sz="1800" spc="-1" strike="noStrike">
+                <a:latin typeface="Arial"/>
+              </a:rPr>
+              <a:t>AI</a:t>
+            </a:r>
+            <a:r>
+              <a:rPr b="0" lang="en-US" sz="1800" spc="-1" strike="noStrike">
+                <a:latin typeface="Arial"/>
+              </a:rPr>
+              <a:t>NT</a:t>
+            </a:r>
+            <a:r>
+              <a:rPr b="0" lang="en-US" sz="1800" spc="-1" strike="noStrike">
+                <a:latin typeface="Arial"/>
+              </a:rPr>
+              <a:t>AI</a:t>
+            </a:r>
+            <a:r>
+              <a:rPr b="0" lang="en-US" sz="1800" spc="-1" strike="noStrike">
+                <a:latin typeface="Arial"/>
+              </a:rPr>
+              <a:t>NE</a:t>
+            </a:r>
+            <a:r>
+              <a:rPr b="0" lang="en-US" sz="1800" spc="-1" strike="noStrike">
+                <a:latin typeface="Arial"/>
+              </a:rPr>
+              <a:t>D_</a:t>
+            </a:r>
+            <a:r>
+              <a:rPr b="0" lang="en-US" sz="1800" spc="-1" strike="noStrike">
+                <a:latin typeface="Arial"/>
+              </a:rPr>
+              <a:t>BY</a:t>
+            </a:r>
+            <a:endParaRPr b="0" lang="en-US" sz="1800" spc="-1" strike="noStrike">
+              <a:latin typeface="Arial"/>
+            </a:endParaRPr>
+          </a:p>
+        </p:txBody>
+      </p:sp>
+      <p:pic>
+        <p:nvPicPr>
+          <p:cNvPr id="242" name="" descr=""/>
+          <p:cNvPicPr/>
+          <p:nvPr/>
+        </p:nvPicPr>
+        <p:blipFill>
+          <a:blip r:embed="rId1"/>
+          <a:stretch/>
+        </p:blipFill>
+        <p:spPr>
+          <a:xfrm>
+            <a:off x="228600" y="5660280"/>
+            <a:ext cx="1371600" cy="511920"/>
+          </a:xfrm>
+          <a:prstGeom prst="rect">
+            <a:avLst/>
+          </a:prstGeom>
+          <a:ln w="0">
+            <a:noFill/>
+          </a:ln>
+        </p:spPr>
+      </p:pic>
+      <p:sp>
+        <p:nvSpPr>
+          <p:cNvPr id="243" name=""/>
+          <p:cNvSpPr txBox="1"/>
+          <p:nvPr/>
+        </p:nvSpPr>
+        <p:spPr>
+          <a:xfrm>
+            <a:off x="228600" y="6172200"/>
+            <a:ext cx="2311200" cy="346680"/>
+          </a:xfrm>
+          <a:prstGeom prst="rect">
+            <a:avLst/>
+          </a:prstGeom>
+          <a:noFill/>
+          <a:ln w="0">
+            <a:noFill/>
+          </a:ln>
+        </p:spPr>
+        <p:txBody>
+          <a:bodyPr lIns="90000" rIns="90000" tIns="45000" bIns="45000" anchor="t">
+            <a:noAutofit/>
+          </a:bodyPr>
+          <a:p>
+            <a:r>
+              <a:rPr b="0" lang="en-US" sz="1200" spc="-1" strike="noStrike">
+                <a:latin typeface="Arial"/>
+                <a:hlinkClick r:id="rId2"/>
+              </a:rPr>
+              <a:t>neo4j docs</a:t>
+            </a:r>
+            <a:endParaRPr b="0" lang="en-US" sz="1200" spc="-1" strike="noStrike">
               <a:latin typeface="Arial"/>
             </a:endParaRPr>
           </a:p>
